--- a/PPT/PC2.pptx
+++ b/PPT/PC2.pptx
@@ -6,15 +6,16 @@
   </p:sldMasterIdLst>
   <p:sldIdLst>
     <p:sldId id="256" r:id="rId2"/>
-    <p:sldId id="260" r:id="rId3"/>
-    <p:sldId id="261" r:id="rId4"/>
+    <p:sldId id="261" r:id="rId3"/>
+    <p:sldId id="260" r:id="rId4"/>
     <p:sldId id="259" r:id="rId5"/>
     <p:sldId id="263" r:id="rId6"/>
-    <p:sldId id="265" r:id="rId7"/>
-    <p:sldId id="262" r:id="rId8"/>
-    <p:sldId id="258" r:id="rId9"/>
-    <p:sldId id="257" r:id="rId10"/>
-    <p:sldId id="264" r:id="rId11"/>
+    <p:sldId id="266" r:id="rId7"/>
+    <p:sldId id="265" r:id="rId8"/>
+    <p:sldId id="262" r:id="rId9"/>
+    <p:sldId id="258" r:id="rId10"/>
+    <p:sldId id="257" r:id="rId11"/>
+    <p:sldId id="264" r:id="rId12"/>
   </p:sldIdLst>
   <p:sldSz cx="14859000" cy="8572500"/>
   <p:notesSz cx="6858000" cy="9144000"/>
@@ -298,7 +299,7 @@
             <a:fld id="{85E22A1A-5F36-4D62-829A-545961FA7479}" type="datetimeFigureOut">
               <a:rPr lang="zh-TW" altLang="en-US" smtClean="0"/>
               <a:pPr/>
-              <a:t>2017/4/22</a:t>
+              <a:t>2017/4/24</a:t>
             </a:fld>
             <a:endParaRPr lang="zh-TW" altLang="en-US"/>
           </a:p>
@@ -465,7 +466,7 @@
             <a:fld id="{85E22A1A-5F36-4D62-829A-545961FA7479}" type="datetimeFigureOut">
               <a:rPr lang="zh-TW" altLang="en-US" smtClean="0"/>
               <a:pPr/>
-              <a:t>2017/4/22</a:t>
+              <a:t>2017/4/24</a:t>
             </a:fld>
             <a:endParaRPr lang="zh-TW" altLang="en-US"/>
           </a:p>
@@ -642,7 +643,7 @@
             <a:fld id="{85E22A1A-5F36-4D62-829A-545961FA7479}" type="datetimeFigureOut">
               <a:rPr lang="zh-TW" altLang="en-US" smtClean="0"/>
               <a:pPr/>
-              <a:t>2017/4/22</a:t>
+              <a:t>2017/4/24</a:t>
             </a:fld>
             <a:endParaRPr lang="zh-TW" altLang="en-US"/>
           </a:p>
@@ -809,7 +810,7 @@
             <a:fld id="{85E22A1A-5F36-4D62-829A-545961FA7479}" type="datetimeFigureOut">
               <a:rPr lang="zh-TW" altLang="en-US" smtClean="0"/>
               <a:pPr/>
-              <a:t>2017/4/22</a:t>
+              <a:t>2017/4/24</a:t>
             </a:fld>
             <a:endParaRPr lang="zh-TW" altLang="en-US"/>
           </a:p>
@@ -1052,7 +1053,7 @@
             <a:fld id="{85E22A1A-5F36-4D62-829A-545961FA7479}" type="datetimeFigureOut">
               <a:rPr lang="zh-TW" altLang="en-US" smtClean="0"/>
               <a:pPr/>
-              <a:t>2017/4/22</a:t>
+              <a:t>2017/4/24</a:t>
             </a:fld>
             <a:endParaRPr lang="zh-TW" altLang="en-US"/>
           </a:p>
@@ -1337,7 +1338,7 @@
             <a:fld id="{85E22A1A-5F36-4D62-829A-545961FA7479}" type="datetimeFigureOut">
               <a:rPr lang="zh-TW" altLang="en-US" smtClean="0"/>
               <a:pPr/>
-              <a:t>2017/4/22</a:t>
+              <a:t>2017/4/24</a:t>
             </a:fld>
             <a:endParaRPr lang="zh-TW" altLang="en-US"/>
           </a:p>
@@ -1761,7 +1762,7 @@
             <a:fld id="{85E22A1A-5F36-4D62-829A-545961FA7479}" type="datetimeFigureOut">
               <a:rPr lang="zh-TW" altLang="en-US" smtClean="0"/>
               <a:pPr/>
-              <a:t>2017/4/22</a:t>
+              <a:t>2017/4/24</a:t>
             </a:fld>
             <a:endParaRPr lang="zh-TW" altLang="en-US"/>
           </a:p>
@@ -1876,7 +1877,7 @@
             <a:fld id="{85E22A1A-5F36-4D62-829A-545961FA7479}" type="datetimeFigureOut">
               <a:rPr lang="zh-TW" altLang="en-US" smtClean="0"/>
               <a:pPr/>
-              <a:t>2017/4/22</a:t>
+              <a:t>2017/4/24</a:t>
             </a:fld>
             <a:endParaRPr lang="zh-TW" altLang="en-US"/>
           </a:p>
@@ -1968,7 +1969,7 @@
             <a:fld id="{85E22A1A-5F36-4D62-829A-545961FA7479}" type="datetimeFigureOut">
               <a:rPr lang="zh-TW" altLang="en-US" smtClean="0"/>
               <a:pPr/>
-              <a:t>2017/4/22</a:t>
+              <a:t>2017/4/24</a:t>
             </a:fld>
             <a:endParaRPr lang="zh-TW" altLang="en-US"/>
           </a:p>
@@ -2242,7 +2243,7 @@
             <a:fld id="{85E22A1A-5F36-4D62-829A-545961FA7479}" type="datetimeFigureOut">
               <a:rPr lang="zh-TW" altLang="en-US" smtClean="0"/>
               <a:pPr/>
-              <a:t>2017/4/22</a:t>
+              <a:t>2017/4/24</a:t>
             </a:fld>
             <a:endParaRPr lang="zh-TW" altLang="en-US"/>
           </a:p>
@@ -2492,7 +2493,7 @@
             <a:fld id="{85E22A1A-5F36-4D62-829A-545961FA7479}" type="datetimeFigureOut">
               <a:rPr lang="zh-TW" altLang="en-US" smtClean="0"/>
               <a:pPr/>
-              <a:t>2017/4/22</a:t>
+              <a:t>2017/4/24</a:t>
             </a:fld>
             <a:endParaRPr lang="zh-TW" altLang="en-US"/>
           </a:p>
@@ -2702,7 +2703,7 @@
             <a:fld id="{85E22A1A-5F36-4D62-829A-545961FA7479}" type="datetimeFigureOut">
               <a:rPr lang="zh-TW" altLang="en-US" smtClean="0"/>
               <a:pPr/>
-              <a:t>2017/4/22</a:t>
+              <a:t>2017/4/24</a:t>
             </a:fld>
             <a:endParaRPr lang="zh-TW" altLang="en-US"/>
           </a:p>
@@ -3660,7 +3661,7 @@
       </p:grpSpPr>
       <p:pic>
         <p:nvPicPr>
-          <p:cNvPr id="17" name="圖片 16" descr="Concept.png"/>
+          <p:cNvPr id="17" name="圖片 16" descr="Series.png"/>
           <p:cNvPicPr>
             <a:picLocks noChangeAspect="1"/>
           </p:cNvPicPr>
@@ -3684,14 +3685,14 @@
       </p:pic>
       <p:sp>
         <p:nvSpPr>
-          <p:cNvPr id="37" name="矩形 36"/>
+          <p:cNvPr id="29" name="矩形 28"/>
           <p:cNvSpPr/>
           <p:nvPr/>
         </p:nvSpPr>
         <p:spPr>
           <a:xfrm>
-            <a:off x="1133856" y="2198018"/>
-            <a:ext cx="12594336" cy="5400600"/>
+            <a:off x="-12192" y="2198018"/>
+            <a:ext cx="14874240" cy="5437222"/>
           </a:xfrm>
           <a:prstGeom prst="rect">
             <a:avLst/>
@@ -3728,36 +3729,6 @@
           </a:p>
         </p:txBody>
       </p:sp>
-      <p:pic>
-        <p:nvPicPr>
-          <p:cNvPr id="32" name="圖片 31" descr="Concept_background.jpg"/>
-          <p:cNvPicPr>
-            <a:picLocks noChangeAspect="1"/>
-          </p:cNvPicPr>
-          <p:nvPr/>
-        </p:nvPicPr>
-        <p:blipFill>
-          <a:blip r:embed="rId3" cstate="email"/>
-          <a:stretch>
-            <a:fillRect/>
-          </a:stretch>
-        </p:blipFill>
-        <p:spPr>
-          <a:xfrm>
-            <a:off x="3674673" y="2526903"/>
-            <a:ext cx="7538680" cy="4711675"/>
-          </a:xfrm>
-          <a:prstGeom prst="rect">
-            <a:avLst/>
-          </a:prstGeom>
-          <a:ln>
-            <a:noFill/>
-          </a:ln>
-          <a:effectLst>
-            <a:softEdge rad="317500"/>
-          </a:effectLst>
-        </p:spPr>
-      </p:pic>
       <p:sp>
         <p:nvSpPr>
           <p:cNvPr id="16" name="矩形 15"/>
@@ -3813,7 +3784,7 @@
           <p:nvPr/>
         </p:nvPicPr>
         <p:blipFill>
-          <a:blip r:embed="rId4" cstate="email"/>
+          <a:blip r:embed="rId3" cstate="email"/>
           <a:stretch>
             <a:fillRect/>
           </a:stretch>
@@ -4038,6 +4009,46 @@
       </p:cxnSp>
       <p:sp>
         <p:nvSpPr>
+          <p:cNvPr id="24" name="文字方塊 23"/>
+          <p:cNvSpPr txBox="1"/>
+          <p:nvPr/>
+        </p:nvSpPr>
+        <p:spPr>
+          <a:xfrm>
+            <a:off x="1092796" y="1725900"/>
+            <a:ext cx="12684164" cy="400110"/>
+          </a:xfrm>
+          <a:prstGeom prst="rect">
+            <a:avLst/>
+          </a:prstGeom>
+          <a:noFill/>
+        </p:spPr>
+        <p:txBody>
+          <a:bodyPr wrap="square" rtlCol="0">
+            <a:spAutoFit/>
+          </a:bodyPr>
+          <a:lstStyle/>
+          <a:p>
+            <a:pPr algn="dist"/>
+            <a:r>
+              <a:rPr lang="en-US" altLang="zh-TW" sz="2000" dirty="0" smtClean="0">
+                <a:solidFill>
+                  <a:srgbClr val="977C09"/>
+                </a:solidFill>
+                <a:latin typeface="Ringbearer" pitchFamily="18" charset="0"/>
+              </a:rPr>
+              <a:t>Concept    World    Characters    Race    Movie    Author    Series    Influence    Reference</a:t>
+            </a:r>
+            <a:endParaRPr lang="zh-TW" altLang="en-US" sz="2000" dirty="0">
+              <a:solidFill>
+                <a:srgbClr val="977C09"/>
+              </a:solidFill>
+            </a:endParaRPr>
+          </a:p>
+        </p:txBody>
+      </p:sp>
+      <p:sp>
+        <p:nvSpPr>
           <p:cNvPr id="25" name="文字方塊 24"/>
           <p:cNvSpPr txBox="1"/>
           <p:nvPr/>
@@ -4082,6 +4093,1090 @@
           </a:p>
         </p:txBody>
       </p:sp>
+      <p:pic>
+        <p:nvPicPr>
+          <p:cNvPr id="1027" name="Picture 3" descr="C:\Users\Xenos\Desktop\Front-end Design\Midterm\The Lord of the rings\image\The Hobbits Title.png"/>
+          <p:cNvPicPr>
+            <a:picLocks noChangeAspect="1" noChangeArrowheads="1"/>
+          </p:cNvPicPr>
+          <p:nvPr/>
+        </p:nvPicPr>
+        <p:blipFill>
+          <a:blip r:embed="rId4" cstate="email"/>
+          <a:stretch>
+            <a:fillRect/>
+          </a:stretch>
+        </p:blipFill>
+        <p:spPr bwMode="auto">
+          <a:xfrm>
+            <a:off x="2229995" y="2708166"/>
+            <a:ext cx="2822929" cy="1091782"/>
+          </a:xfrm>
+          <a:prstGeom prst="rect">
+            <a:avLst/>
+          </a:prstGeom>
+          <a:noFill/>
+        </p:spPr>
+      </p:pic>
+      <p:pic>
+        <p:nvPicPr>
+          <p:cNvPr id="33" name="Picture 3" descr="C:\Users\Xenos\Desktop\Front-end Design\Midterm\The Lord of the rings\image\The Hobbits Title.png"/>
+          <p:cNvPicPr>
+            <a:picLocks noChangeAspect="1" noChangeArrowheads="1"/>
+          </p:cNvPicPr>
+          <p:nvPr/>
+        </p:nvPicPr>
+        <p:blipFill>
+          <a:blip r:embed="rId5" cstate="email"/>
+          <a:srcRect/>
+          <a:stretch>
+            <a:fillRect/>
+          </a:stretch>
+        </p:blipFill>
+        <p:spPr bwMode="auto">
+          <a:xfrm>
+            <a:off x="2229684" y="6060926"/>
+            <a:ext cx="2823552" cy="1091782"/>
+          </a:xfrm>
+          <a:prstGeom prst="rect">
+            <a:avLst/>
+          </a:prstGeom>
+          <a:noFill/>
+        </p:spPr>
+      </p:pic>
+      <p:pic>
+        <p:nvPicPr>
+          <p:cNvPr id="34" name="Picture 3" descr="C:\Users\Xenos\Desktop\Front-end Design\Midterm\The Lord of the rings\image\The Hobbits Title.png"/>
+          <p:cNvPicPr>
+            <a:picLocks noChangeAspect="1" noChangeArrowheads="1"/>
+          </p:cNvPicPr>
+          <p:nvPr/>
+        </p:nvPicPr>
+        <p:blipFill>
+          <a:blip r:embed="rId6" cstate="email"/>
+          <a:stretch>
+            <a:fillRect/>
+          </a:stretch>
+        </p:blipFill>
+        <p:spPr bwMode="auto">
+          <a:xfrm>
+            <a:off x="2229995" y="3825753"/>
+            <a:ext cx="2822929" cy="1091782"/>
+          </a:xfrm>
+          <a:prstGeom prst="rect">
+            <a:avLst/>
+          </a:prstGeom>
+          <a:noFill/>
+        </p:spPr>
+      </p:pic>
+      <p:pic>
+        <p:nvPicPr>
+          <p:cNvPr id="35" name="Picture 3" descr="C:\Users\Xenos\Desktop\Front-end Design\Midterm\The Lord of the rings\image\The Hobbits Title.png"/>
+          <p:cNvPicPr>
+            <a:picLocks noChangeAspect="1" noChangeArrowheads="1"/>
+          </p:cNvPicPr>
+          <p:nvPr/>
+        </p:nvPicPr>
+        <p:blipFill>
+          <a:blip r:embed="rId6" cstate="email"/>
+          <a:stretch>
+            <a:fillRect/>
+          </a:stretch>
+        </p:blipFill>
+        <p:spPr bwMode="auto">
+          <a:xfrm>
+            <a:off x="2229995" y="4943340"/>
+            <a:ext cx="2822929" cy="1091782"/>
+          </a:xfrm>
+          <a:prstGeom prst="rect">
+            <a:avLst/>
+          </a:prstGeom>
+          <a:noFill/>
+        </p:spPr>
+      </p:pic>
+      <p:pic>
+        <p:nvPicPr>
+          <p:cNvPr id="36" name="圖片 35" descr="The Fellowship Of The Ring Cover.png"/>
+          <p:cNvPicPr>
+            <a:picLocks noChangeAspect="1"/>
+          </p:cNvPicPr>
+          <p:nvPr/>
+        </p:nvPicPr>
+        <p:blipFill>
+          <a:blip r:embed="rId7" cstate="email"/>
+          <a:stretch>
+            <a:fillRect/>
+          </a:stretch>
+        </p:blipFill>
+        <p:spPr>
+          <a:xfrm>
+            <a:off x="5485284" y="2706264"/>
+            <a:ext cx="2832801" cy="4450440"/>
+          </a:xfrm>
+          <a:prstGeom prst="rect">
+            <a:avLst/>
+          </a:prstGeom>
+        </p:spPr>
+      </p:pic>
+      <p:sp>
+        <p:nvSpPr>
+          <p:cNvPr id="39" name="文字方塊 38"/>
+          <p:cNvSpPr txBox="1"/>
+          <p:nvPr/>
+        </p:nvSpPr>
+        <p:spPr>
+          <a:xfrm>
+            <a:off x="8941668" y="3358852"/>
+            <a:ext cx="3528392" cy="3503523"/>
+          </a:xfrm>
+          <a:prstGeom prst="rect">
+            <a:avLst/>
+          </a:prstGeom>
+          <a:noFill/>
+        </p:spPr>
+        <p:txBody>
+          <a:bodyPr wrap="square" rtlCol="0">
+            <a:spAutoFit/>
+          </a:bodyPr>
+          <a:lstStyle/>
+          <a:p>
+            <a:pPr algn="just">
+              <a:lnSpc>
+                <a:spcPts val="1400"/>
+              </a:lnSpc>
+            </a:pPr>
+            <a:r>
+              <a:rPr lang="en-US" altLang="zh-TW" sz="1200" spc="100" dirty="0" smtClean="0">
+                <a:solidFill>
+                  <a:schemeClr val="bg1">
+                    <a:lumMod val="75000"/>
+                  </a:schemeClr>
+                </a:solidFill>
+                <a:latin typeface="Candara" pitchFamily="34" charset="0"/>
+                <a:ea typeface="Arial Unicode MS" pitchFamily="34" charset="-120"/>
+                <a:cs typeface="Arial Unicode MS" pitchFamily="34" charset="-120"/>
+              </a:rPr>
+              <a:t>In the Second Age of Middle-earth, the Dark Lord </a:t>
+            </a:r>
+            <a:r>
+              <a:rPr lang="en-US" altLang="zh-TW" sz="1200" spc="100" dirty="0" err="1" smtClean="0">
+                <a:solidFill>
+                  <a:schemeClr val="bg1">
+                    <a:lumMod val="75000"/>
+                  </a:schemeClr>
+                </a:solidFill>
+                <a:latin typeface="Candara" pitchFamily="34" charset="0"/>
+                <a:ea typeface="Arial Unicode MS" pitchFamily="34" charset="-120"/>
+                <a:cs typeface="Arial Unicode MS" pitchFamily="34" charset="-120"/>
+              </a:rPr>
+              <a:t>Sauron</a:t>
+            </a:r>
+            <a:r>
+              <a:rPr lang="en-US" altLang="zh-TW" sz="1200" spc="100" dirty="0" smtClean="0">
+                <a:solidFill>
+                  <a:schemeClr val="bg1">
+                    <a:lumMod val="75000"/>
+                  </a:schemeClr>
+                </a:solidFill>
+                <a:latin typeface="Candara" pitchFamily="34" charset="0"/>
+                <a:ea typeface="Arial Unicode MS" pitchFamily="34" charset="-120"/>
+                <a:cs typeface="Arial Unicode MS" pitchFamily="34" charset="-120"/>
+              </a:rPr>
+              <a:t> forges the One Ring in Mount Doom to conquer all, abandoning a great part of his power to it in order to dominate, through it, at a distance, the other Rings of Power, which had been granted to lords of Elves, Dwarves and Men. An army of men and elves battle </a:t>
+            </a:r>
+            <a:r>
+              <a:rPr lang="en-US" altLang="zh-TW" sz="1200" spc="100" dirty="0" err="1" smtClean="0">
+                <a:solidFill>
+                  <a:schemeClr val="bg1">
+                    <a:lumMod val="75000"/>
+                  </a:schemeClr>
+                </a:solidFill>
+                <a:latin typeface="Candara" pitchFamily="34" charset="0"/>
+                <a:ea typeface="Arial Unicode MS" pitchFamily="34" charset="-120"/>
+                <a:cs typeface="Arial Unicode MS" pitchFamily="34" charset="-120"/>
+              </a:rPr>
+              <a:t>Sauron’s</a:t>
+            </a:r>
+            <a:r>
+              <a:rPr lang="en-US" altLang="zh-TW" sz="1200" spc="100" dirty="0" smtClean="0">
+                <a:solidFill>
+                  <a:schemeClr val="bg1">
+                    <a:lumMod val="75000"/>
+                  </a:schemeClr>
+                </a:solidFill>
+                <a:latin typeface="Candara" pitchFamily="34" charset="0"/>
+                <a:ea typeface="Arial Unicode MS" pitchFamily="34" charset="-120"/>
+                <a:cs typeface="Arial Unicode MS" pitchFamily="34" charset="-120"/>
+              </a:rPr>
+              <a:t> forces in </a:t>
+            </a:r>
+            <a:r>
+              <a:rPr lang="en-US" altLang="zh-TW" sz="1200" spc="100" dirty="0" err="1" smtClean="0">
+                <a:solidFill>
+                  <a:schemeClr val="bg1">
+                    <a:lumMod val="75000"/>
+                  </a:schemeClr>
+                </a:solidFill>
+                <a:latin typeface="Candara" pitchFamily="34" charset="0"/>
+                <a:ea typeface="Arial Unicode MS" pitchFamily="34" charset="-120"/>
+                <a:cs typeface="Arial Unicode MS" pitchFamily="34" charset="-120"/>
+              </a:rPr>
+              <a:t>Mordor</a:t>
+            </a:r>
+            <a:r>
+              <a:rPr lang="en-US" altLang="zh-TW" sz="1200" spc="100" dirty="0" smtClean="0">
+                <a:solidFill>
+                  <a:schemeClr val="bg1">
+                    <a:lumMod val="75000"/>
+                  </a:schemeClr>
+                </a:solidFill>
+                <a:latin typeface="Candara" pitchFamily="34" charset="0"/>
+                <a:ea typeface="Arial Unicode MS" pitchFamily="34" charset="-120"/>
+                <a:cs typeface="Arial Unicode MS" pitchFamily="34" charset="-120"/>
+              </a:rPr>
+              <a:t>, where Prince </a:t>
+            </a:r>
+            <a:r>
+              <a:rPr lang="en-US" altLang="zh-TW" sz="1200" spc="100" dirty="0" err="1" smtClean="0">
+                <a:solidFill>
+                  <a:schemeClr val="bg1">
+                    <a:lumMod val="75000"/>
+                  </a:schemeClr>
+                </a:solidFill>
+                <a:latin typeface="Candara" pitchFamily="34" charset="0"/>
+                <a:ea typeface="Arial Unicode MS" pitchFamily="34" charset="-120"/>
+                <a:cs typeface="Arial Unicode MS" pitchFamily="34" charset="-120"/>
+              </a:rPr>
+              <a:t>Isildur</a:t>
+            </a:r>
+            <a:r>
+              <a:rPr lang="en-US" altLang="zh-TW" sz="1200" spc="100" dirty="0" smtClean="0">
+                <a:solidFill>
+                  <a:schemeClr val="bg1">
+                    <a:lumMod val="75000"/>
+                  </a:schemeClr>
+                </a:solidFill>
+                <a:latin typeface="Candara" pitchFamily="34" charset="0"/>
+                <a:ea typeface="Arial Unicode MS" pitchFamily="34" charset="-120"/>
+                <a:cs typeface="Arial Unicode MS" pitchFamily="34" charset="-120"/>
+              </a:rPr>
+              <a:t> of </a:t>
+            </a:r>
+            <a:r>
+              <a:rPr lang="en-US" altLang="zh-TW" sz="1200" spc="100" dirty="0" err="1" smtClean="0">
+                <a:solidFill>
+                  <a:schemeClr val="bg1">
+                    <a:lumMod val="75000"/>
+                  </a:schemeClr>
+                </a:solidFill>
+                <a:latin typeface="Candara" pitchFamily="34" charset="0"/>
+                <a:ea typeface="Arial Unicode MS" pitchFamily="34" charset="-120"/>
+                <a:cs typeface="Arial Unicode MS" pitchFamily="34" charset="-120"/>
+              </a:rPr>
+              <a:t>Gondor</a:t>
+            </a:r>
+            <a:r>
+              <a:rPr lang="en-US" altLang="zh-TW" sz="1200" spc="100" dirty="0" smtClean="0">
+                <a:solidFill>
+                  <a:schemeClr val="bg1">
+                    <a:lumMod val="75000"/>
+                  </a:schemeClr>
+                </a:solidFill>
+                <a:latin typeface="Candara" pitchFamily="34" charset="0"/>
+                <a:ea typeface="Arial Unicode MS" pitchFamily="34" charset="-120"/>
+                <a:cs typeface="Arial Unicode MS" pitchFamily="34" charset="-120"/>
+              </a:rPr>
+              <a:t> cuts the One Ring off of </a:t>
+            </a:r>
+            <a:r>
+              <a:rPr lang="en-US" altLang="zh-TW" sz="1200" spc="100" dirty="0" err="1" smtClean="0">
+                <a:solidFill>
+                  <a:schemeClr val="bg1">
+                    <a:lumMod val="75000"/>
+                  </a:schemeClr>
+                </a:solidFill>
+                <a:latin typeface="Candara" pitchFamily="34" charset="0"/>
+                <a:ea typeface="Arial Unicode MS" pitchFamily="34" charset="-120"/>
+                <a:cs typeface="Arial Unicode MS" pitchFamily="34" charset="-120"/>
+              </a:rPr>
+              <a:t>Sauron's</a:t>
+            </a:r>
+            <a:r>
+              <a:rPr lang="en-US" altLang="zh-TW" sz="1200" spc="100" dirty="0" smtClean="0">
+                <a:solidFill>
+                  <a:schemeClr val="bg1">
+                    <a:lumMod val="75000"/>
+                  </a:schemeClr>
+                </a:solidFill>
+                <a:latin typeface="Candara" pitchFamily="34" charset="0"/>
+                <a:ea typeface="Arial Unicode MS" pitchFamily="34" charset="-120"/>
+                <a:cs typeface="Arial Unicode MS" pitchFamily="34" charset="-120"/>
+              </a:rPr>
+              <a:t> finger, thereby temporarily destroying his physical shape, and decides to take care of the Ring himself, but the evil influence of the Ring corrupts </a:t>
+            </a:r>
+            <a:r>
+              <a:rPr lang="en-US" altLang="zh-TW" sz="1200" spc="100" dirty="0" err="1" smtClean="0">
+                <a:solidFill>
+                  <a:schemeClr val="bg1">
+                    <a:lumMod val="75000"/>
+                  </a:schemeClr>
+                </a:solidFill>
+                <a:latin typeface="Candara" pitchFamily="34" charset="0"/>
+                <a:ea typeface="Arial Unicode MS" pitchFamily="34" charset="-120"/>
+                <a:cs typeface="Arial Unicode MS" pitchFamily="34" charset="-120"/>
+              </a:rPr>
+              <a:t>Isildur</a:t>
+            </a:r>
+            <a:r>
+              <a:rPr lang="en-US" altLang="zh-TW" sz="1200" spc="100" dirty="0" smtClean="0">
+                <a:solidFill>
+                  <a:schemeClr val="bg1">
+                    <a:lumMod val="75000"/>
+                  </a:schemeClr>
+                </a:solidFill>
+                <a:latin typeface="Candara" pitchFamily="34" charset="0"/>
+                <a:ea typeface="Arial Unicode MS" pitchFamily="34" charset="-120"/>
+                <a:cs typeface="Arial Unicode MS" pitchFamily="34" charset="-120"/>
+              </a:rPr>
+              <a:t>, preventing him from destroying it in Mount Doom. </a:t>
+            </a:r>
+            <a:r>
+              <a:rPr lang="en-US" altLang="zh-TW" sz="1200" spc="100" dirty="0" err="1" smtClean="0">
+                <a:solidFill>
+                  <a:schemeClr val="bg1">
+                    <a:lumMod val="75000"/>
+                  </a:schemeClr>
+                </a:solidFill>
+                <a:latin typeface="Candara" pitchFamily="34" charset="0"/>
+                <a:ea typeface="Arial Unicode MS" pitchFamily="34" charset="-120"/>
+                <a:cs typeface="Arial Unicode MS" pitchFamily="34" charset="-120"/>
+              </a:rPr>
+              <a:t>Isildur</a:t>
+            </a:r>
+            <a:r>
+              <a:rPr lang="en-US" altLang="zh-TW" sz="1200" spc="100" dirty="0" smtClean="0">
+                <a:solidFill>
+                  <a:schemeClr val="bg1">
+                    <a:lumMod val="75000"/>
+                  </a:schemeClr>
+                </a:solidFill>
+                <a:latin typeface="Candara" pitchFamily="34" charset="0"/>
+                <a:ea typeface="Arial Unicode MS" pitchFamily="34" charset="-120"/>
+                <a:cs typeface="Arial Unicode MS" pitchFamily="34" charset="-120"/>
+              </a:rPr>
+              <a:t> is later killed by </a:t>
+            </a:r>
+            <a:r>
+              <a:rPr lang="en-US" altLang="zh-TW" sz="1200" spc="100" dirty="0" err="1" smtClean="0">
+                <a:solidFill>
+                  <a:schemeClr val="bg1">
+                    <a:lumMod val="75000"/>
+                  </a:schemeClr>
+                </a:solidFill>
+                <a:latin typeface="Candara" pitchFamily="34" charset="0"/>
+                <a:ea typeface="Arial Unicode MS" pitchFamily="34" charset="-120"/>
+                <a:cs typeface="Arial Unicode MS" pitchFamily="34" charset="-120"/>
+              </a:rPr>
+              <a:t>Orcs</a:t>
+            </a:r>
+            <a:r>
+              <a:rPr lang="en-US" altLang="zh-TW" sz="1200" spc="100" dirty="0" smtClean="0">
+                <a:solidFill>
+                  <a:schemeClr val="bg1">
+                    <a:lumMod val="75000"/>
+                  </a:schemeClr>
+                </a:solidFill>
+                <a:latin typeface="Candara" pitchFamily="34" charset="0"/>
+                <a:ea typeface="Arial Unicode MS" pitchFamily="34" charset="-120"/>
+                <a:cs typeface="Arial Unicode MS" pitchFamily="34" charset="-120"/>
+              </a:rPr>
+              <a:t>, and the Ring is lost for 2,500 years, found and owned by Gollum for five centuries. The Ring is then found by a Hobbit named Bilbo Baggins.</a:t>
+            </a:r>
+          </a:p>
+        </p:txBody>
+      </p:sp>
+      <p:sp>
+        <p:nvSpPr>
+          <p:cNvPr id="40" name="文字方塊 39"/>
+          <p:cNvSpPr txBox="1"/>
+          <p:nvPr/>
+        </p:nvSpPr>
+        <p:spPr>
+          <a:xfrm>
+            <a:off x="8725644" y="2734012"/>
+            <a:ext cx="3888432" cy="400110"/>
+          </a:xfrm>
+          <a:prstGeom prst="rect">
+            <a:avLst/>
+          </a:prstGeom>
+          <a:noFill/>
+        </p:spPr>
+        <p:txBody>
+          <a:bodyPr wrap="square" rtlCol="0">
+            <a:spAutoFit/>
+          </a:bodyPr>
+          <a:lstStyle/>
+          <a:p>
+            <a:pPr algn="ctr"/>
+            <a:r>
+              <a:rPr lang="en-US" altLang="zh-TW" sz="2000" dirty="0" smtClean="0">
+                <a:solidFill>
+                  <a:schemeClr val="bg1">
+                    <a:lumMod val="75000"/>
+                  </a:schemeClr>
+                </a:solidFill>
+                <a:latin typeface="Ringbearer" pitchFamily="18" charset="0"/>
+              </a:rPr>
+              <a:t>The Fellowship Of The Ring</a:t>
+            </a:r>
+            <a:endParaRPr lang="zh-TW" altLang="en-US" sz="2000" dirty="0">
+              <a:solidFill>
+                <a:schemeClr val="bg1">
+                  <a:lumMod val="75000"/>
+                </a:schemeClr>
+              </a:solidFill>
+              <a:latin typeface="Ringbearer" pitchFamily="18" charset="0"/>
+            </a:endParaRPr>
+          </a:p>
+        </p:txBody>
+      </p:sp>
+      <p:cxnSp>
+        <p:nvCxnSpPr>
+          <p:cNvPr id="42" name="直線接點 41"/>
+          <p:cNvCxnSpPr/>
+          <p:nvPr/>
+        </p:nvCxnSpPr>
+        <p:spPr>
+          <a:xfrm>
+            <a:off x="8725644" y="3206130"/>
+            <a:ext cx="3888432" cy="0"/>
+          </a:xfrm>
+          <a:prstGeom prst="line">
+            <a:avLst/>
+          </a:prstGeom>
+          <a:ln>
+            <a:solidFill>
+              <a:schemeClr val="bg1">
+                <a:lumMod val="75000"/>
+              </a:schemeClr>
+            </a:solidFill>
+          </a:ln>
+        </p:spPr>
+        <p:style>
+          <a:lnRef idx="1">
+            <a:schemeClr val="accent1"/>
+          </a:lnRef>
+          <a:fillRef idx="0">
+            <a:schemeClr val="accent1"/>
+          </a:fillRef>
+          <a:effectRef idx="0">
+            <a:schemeClr val="accent1"/>
+          </a:effectRef>
+          <a:fontRef idx="minor">
+            <a:schemeClr val="tx1"/>
+          </a:fontRef>
+        </p:style>
+      </p:cxnSp>
+      <p:sp>
+        <p:nvSpPr>
+          <p:cNvPr id="26" name="矩形 25"/>
+          <p:cNvSpPr/>
+          <p:nvPr/>
+        </p:nvSpPr>
+        <p:spPr>
+          <a:xfrm>
+            <a:off x="2228850" y="6050280"/>
+            <a:ext cx="2830830" cy="1082040"/>
+          </a:xfrm>
+          <a:prstGeom prst="rect">
+            <a:avLst/>
+          </a:prstGeom>
+          <a:solidFill>
+            <a:schemeClr val="tx1">
+              <a:alpha val="35000"/>
+            </a:schemeClr>
+          </a:solidFill>
+          <a:ln>
+            <a:noFill/>
+          </a:ln>
+        </p:spPr>
+        <p:style>
+          <a:lnRef idx="2">
+            <a:schemeClr val="accent1">
+              <a:shade val="50000"/>
+            </a:schemeClr>
+          </a:lnRef>
+          <a:fillRef idx="1">
+            <a:schemeClr val="accent1"/>
+          </a:fillRef>
+          <a:effectRef idx="0">
+            <a:schemeClr val="accent1"/>
+          </a:effectRef>
+          <a:fontRef idx="minor">
+            <a:schemeClr val="lt1"/>
+          </a:fontRef>
+        </p:style>
+        <p:txBody>
+          <a:bodyPr rtlCol="0" anchor="ctr"/>
+          <a:lstStyle/>
+          <a:p>
+            <a:pPr algn="ctr"/>
+            <a:endParaRPr lang="zh-TW" altLang="en-US"/>
+          </a:p>
+        </p:txBody>
+      </p:sp>
+      <p:sp>
+        <p:nvSpPr>
+          <p:cNvPr id="27" name="矩形 26"/>
+          <p:cNvSpPr/>
+          <p:nvPr/>
+        </p:nvSpPr>
+        <p:spPr>
+          <a:xfrm>
+            <a:off x="2232660" y="4934322"/>
+            <a:ext cx="2827020" cy="1082040"/>
+          </a:xfrm>
+          <a:prstGeom prst="rect">
+            <a:avLst/>
+          </a:prstGeom>
+          <a:solidFill>
+            <a:schemeClr val="tx1">
+              <a:alpha val="35000"/>
+            </a:schemeClr>
+          </a:solidFill>
+          <a:ln>
+            <a:noFill/>
+          </a:ln>
+        </p:spPr>
+        <p:style>
+          <a:lnRef idx="2">
+            <a:schemeClr val="accent1">
+              <a:shade val="50000"/>
+            </a:schemeClr>
+          </a:lnRef>
+          <a:fillRef idx="1">
+            <a:schemeClr val="accent1"/>
+          </a:fillRef>
+          <a:effectRef idx="0">
+            <a:schemeClr val="accent1"/>
+          </a:effectRef>
+          <a:fontRef idx="minor">
+            <a:schemeClr val="lt1"/>
+          </a:fontRef>
+        </p:style>
+        <p:txBody>
+          <a:bodyPr rtlCol="0" anchor="ctr"/>
+          <a:lstStyle/>
+          <a:p>
+            <a:pPr algn="ctr"/>
+            <a:endParaRPr lang="zh-TW" altLang="en-US"/>
+          </a:p>
+        </p:txBody>
+      </p:sp>
+      <p:sp>
+        <p:nvSpPr>
+          <p:cNvPr id="28" name="矩形 27"/>
+          <p:cNvSpPr/>
+          <p:nvPr/>
+        </p:nvSpPr>
+        <p:spPr>
+          <a:xfrm>
+            <a:off x="2225040" y="3817620"/>
+            <a:ext cx="2827020" cy="1082040"/>
+          </a:xfrm>
+          <a:prstGeom prst="rect">
+            <a:avLst/>
+          </a:prstGeom>
+          <a:solidFill>
+            <a:schemeClr val="tx1">
+              <a:alpha val="35000"/>
+            </a:schemeClr>
+          </a:solidFill>
+          <a:ln>
+            <a:noFill/>
+          </a:ln>
+        </p:spPr>
+        <p:style>
+          <a:lnRef idx="2">
+            <a:schemeClr val="accent1">
+              <a:shade val="50000"/>
+            </a:schemeClr>
+          </a:lnRef>
+          <a:fillRef idx="1">
+            <a:schemeClr val="accent1"/>
+          </a:fillRef>
+          <a:effectRef idx="0">
+            <a:schemeClr val="accent1"/>
+          </a:effectRef>
+          <a:fontRef idx="minor">
+            <a:schemeClr val="lt1"/>
+          </a:fontRef>
+        </p:style>
+        <p:txBody>
+          <a:bodyPr rtlCol="0" anchor="ctr"/>
+          <a:lstStyle/>
+          <a:p>
+            <a:pPr algn="ctr"/>
+            <a:endParaRPr lang="zh-TW" altLang="en-US"/>
+          </a:p>
+        </p:txBody>
+      </p:sp>
+    </p:spTree>
+  </p:cSld>
+  <p:clrMapOvr>
+    <a:masterClrMapping/>
+  </p:clrMapOvr>
+  <p:timing>
+    <p:tnLst>
+      <p:par>
+        <p:cTn id="1" dur="indefinite" restart="never" nodeType="tmRoot"/>
+      </p:par>
+    </p:tnLst>
+  </p:timing>
+</p:sld>
+</file>
+
+<file path=ppt/slides/slide11.xml><?xml version="1.0" encoding="utf-8"?>
+<p:sld xmlns:a="http://schemas.openxmlformats.org/drawingml/2006/main" xmlns:r="http://schemas.openxmlformats.org/officeDocument/2006/relationships" xmlns:p="http://schemas.openxmlformats.org/presentationml/2006/main">
+  <p:cSld>
+    <p:spTree>
+      <p:nvGrpSpPr>
+        <p:cNvPr id="1" name=""/>
+        <p:cNvGrpSpPr/>
+        <p:nvPr/>
+      </p:nvGrpSpPr>
+      <p:grpSpPr>
+        <a:xfrm>
+          <a:off x="0" y="0"/>
+          <a:ext cx="0" cy="0"/>
+          <a:chOff x="0" y="0"/>
+          <a:chExt cx="0" cy="0"/>
+        </a:xfrm>
+      </p:grpSpPr>
+      <p:pic>
+        <p:nvPicPr>
+          <p:cNvPr id="17" name="圖片 16" descr="Concept.png"/>
+          <p:cNvPicPr>
+            <a:picLocks noChangeAspect="1"/>
+          </p:cNvPicPr>
+          <p:nvPr/>
+        </p:nvPicPr>
+        <p:blipFill>
+          <a:blip r:embed="rId2" cstate="email"/>
+          <a:stretch>
+            <a:fillRect/>
+          </a:stretch>
+        </p:blipFill>
+        <p:spPr>
+          <a:xfrm>
+            <a:off x="0" y="0"/>
+            <a:ext cx="14859000" cy="8572500"/>
+          </a:xfrm>
+          <a:prstGeom prst="rect">
+            <a:avLst/>
+          </a:prstGeom>
+        </p:spPr>
+      </p:pic>
+      <p:sp>
+        <p:nvSpPr>
+          <p:cNvPr id="20" name="矩形 19"/>
+          <p:cNvSpPr/>
+          <p:nvPr/>
+        </p:nvSpPr>
+        <p:spPr>
+          <a:xfrm>
+            <a:off x="-12192" y="2198018"/>
+            <a:ext cx="14874240" cy="5437222"/>
+          </a:xfrm>
+          <a:prstGeom prst="rect">
+            <a:avLst/>
+          </a:prstGeom>
+          <a:solidFill>
+            <a:schemeClr val="tx1"/>
+          </a:solidFill>
+          <a:ln>
+            <a:noFill/>
+          </a:ln>
+        </p:spPr>
+        <p:style>
+          <a:lnRef idx="2">
+            <a:schemeClr val="accent1">
+              <a:shade val="50000"/>
+            </a:schemeClr>
+          </a:lnRef>
+          <a:fillRef idx="1">
+            <a:schemeClr val="accent1"/>
+          </a:fillRef>
+          <a:effectRef idx="0">
+            <a:schemeClr val="accent1"/>
+          </a:effectRef>
+          <a:fontRef idx="minor">
+            <a:schemeClr val="lt1"/>
+          </a:fontRef>
+        </p:style>
+        <p:txBody>
+          <a:bodyPr rtlCol="0" anchor="ctr"/>
+          <a:lstStyle/>
+          <a:p>
+            <a:pPr algn="ctr"/>
+            <a:endParaRPr lang="zh-TW" altLang="en-US"/>
+          </a:p>
+        </p:txBody>
+      </p:sp>
+      <p:pic>
+        <p:nvPicPr>
+          <p:cNvPr id="32" name="圖片 31" descr="Concept_background.jpg"/>
+          <p:cNvPicPr>
+            <a:picLocks noChangeAspect="1"/>
+          </p:cNvPicPr>
+          <p:nvPr/>
+        </p:nvPicPr>
+        <p:blipFill>
+          <a:blip r:embed="rId3" cstate="email"/>
+          <a:stretch>
+            <a:fillRect/>
+          </a:stretch>
+        </p:blipFill>
+        <p:spPr>
+          <a:xfrm>
+            <a:off x="3674673" y="2526903"/>
+            <a:ext cx="7538680" cy="4711675"/>
+          </a:xfrm>
+          <a:prstGeom prst="rect">
+            <a:avLst/>
+          </a:prstGeom>
+          <a:ln>
+            <a:noFill/>
+          </a:ln>
+          <a:effectLst>
+            <a:softEdge rad="317500"/>
+          </a:effectLst>
+        </p:spPr>
+      </p:pic>
+      <p:sp>
+        <p:nvSpPr>
+          <p:cNvPr id="16" name="矩形 15"/>
+          <p:cNvSpPr/>
+          <p:nvPr/>
+        </p:nvSpPr>
+        <p:spPr>
+          <a:xfrm>
+            <a:off x="0" y="685849"/>
+            <a:ext cx="14859000" cy="961975"/>
+          </a:xfrm>
+          <a:prstGeom prst="rect">
+            <a:avLst/>
+          </a:prstGeom>
+          <a:solidFill>
+            <a:schemeClr val="tx1"/>
+          </a:solidFill>
+          <a:ln>
+            <a:noFill/>
+          </a:ln>
+        </p:spPr>
+        <p:style>
+          <a:lnRef idx="2">
+            <a:schemeClr val="accent1">
+              <a:shade val="50000"/>
+            </a:schemeClr>
+          </a:lnRef>
+          <a:fillRef idx="1">
+            <a:schemeClr val="accent1"/>
+          </a:fillRef>
+          <a:effectRef idx="0">
+            <a:schemeClr val="accent1"/>
+          </a:effectRef>
+          <a:fontRef idx="minor">
+            <a:schemeClr val="lt1"/>
+          </a:fontRef>
+        </p:style>
+        <p:txBody>
+          <a:bodyPr rtlCol="0" anchor="ctr"/>
+          <a:lstStyle/>
+          <a:p>
+            <a:pPr algn="ctr"/>
+            <a:endParaRPr lang="zh-TW" altLang="en-US"/>
+          </a:p>
+        </p:txBody>
+      </p:sp>
+      <p:pic>
+        <p:nvPicPr>
+          <p:cNvPr id="5" name="圖片 4" descr="dsfiles-img-60392-1341613337.png"/>
+          <p:cNvPicPr>
+            <a:picLocks noChangeAspect="1"/>
+          </p:cNvPicPr>
+          <p:nvPr/>
+        </p:nvPicPr>
+        <p:blipFill>
+          <a:blip r:embed="rId4" cstate="email"/>
+          <a:stretch>
+            <a:fillRect/>
+          </a:stretch>
+        </p:blipFill>
+        <p:spPr>
+          <a:xfrm>
+            <a:off x="6949500" y="794434"/>
+            <a:ext cx="960000" cy="720000"/>
+          </a:xfrm>
+          <a:prstGeom prst="rect">
+            <a:avLst/>
+          </a:prstGeom>
+        </p:spPr>
+      </p:pic>
+      <p:sp>
+        <p:nvSpPr>
+          <p:cNvPr id="18" name="矩形 17"/>
+          <p:cNvSpPr/>
+          <p:nvPr/>
+        </p:nvSpPr>
+        <p:spPr>
+          <a:xfrm>
+            <a:off x="0" y="1638301"/>
+            <a:ext cx="14859000" cy="594360"/>
+          </a:xfrm>
+          <a:prstGeom prst="rect">
+            <a:avLst/>
+          </a:prstGeom>
+          <a:solidFill>
+            <a:srgbClr val="0F0F0F"/>
+          </a:solidFill>
+          <a:ln>
+            <a:noFill/>
+          </a:ln>
+        </p:spPr>
+        <p:style>
+          <a:lnRef idx="2">
+            <a:schemeClr val="accent1">
+              <a:shade val="50000"/>
+            </a:schemeClr>
+          </a:lnRef>
+          <a:fillRef idx="1">
+            <a:schemeClr val="accent1"/>
+          </a:fillRef>
+          <a:effectRef idx="0">
+            <a:schemeClr val="accent1"/>
+          </a:effectRef>
+          <a:fontRef idx="minor">
+            <a:schemeClr val="lt1"/>
+          </a:fontRef>
+        </p:style>
+        <p:txBody>
+          <a:bodyPr rtlCol="0" anchor="ctr"/>
+          <a:lstStyle/>
+          <a:p>
+            <a:pPr algn="ctr"/>
+            <a:endParaRPr lang="zh-TW" altLang="en-US" dirty="0">
+              <a:latin typeface="Ringbearer" pitchFamily="18" charset="0"/>
+            </a:endParaRPr>
+          </a:p>
+        </p:txBody>
+      </p:sp>
+      <p:sp>
+        <p:nvSpPr>
+          <p:cNvPr id="19" name="矩形 18"/>
+          <p:cNvSpPr/>
+          <p:nvPr/>
+        </p:nvSpPr>
+        <p:spPr>
+          <a:xfrm>
+            <a:off x="0" y="7610525"/>
+            <a:ext cx="14859000" cy="961975"/>
+          </a:xfrm>
+          <a:prstGeom prst="rect">
+            <a:avLst/>
+          </a:prstGeom>
+          <a:solidFill>
+            <a:schemeClr val="tx1"/>
+          </a:solidFill>
+          <a:ln>
+            <a:noFill/>
+          </a:ln>
+        </p:spPr>
+        <p:style>
+          <a:lnRef idx="2">
+            <a:schemeClr val="accent1">
+              <a:shade val="50000"/>
+            </a:schemeClr>
+          </a:lnRef>
+          <a:fillRef idx="1">
+            <a:schemeClr val="accent1"/>
+          </a:fillRef>
+          <a:effectRef idx="0">
+            <a:schemeClr val="accent1"/>
+          </a:effectRef>
+          <a:fontRef idx="minor">
+            <a:schemeClr val="lt1"/>
+          </a:fontRef>
+        </p:style>
+        <p:txBody>
+          <a:bodyPr rtlCol="0" anchor="ctr"/>
+          <a:lstStyle/>
+          <a:p>
+            <a:pPr algn="ctr"/>
+            <a:endParaRPr lang="zh-TW" altLang="en-US"/>
+          </a:p>
+        </p:txBody>
+      </p:sp>
+      <p:cxnSp>
+        <p:nvCxnSpPr>
+          <p:cNvPr id="21" name="直線接點 20"/>
+          <p:cNvCxnSpPr/>
+          <p:nvPr/>
+        </p:nvCxnSpPr>
+        <p:spPr>
+          <a:xfrm>
+            <a:off x="0" y="1621954"/>
+            <a:ext cx="14859000" cy="0"/>
+          </a:xfrm>
+          <a:prstGeom prst="line">
+            <a:avLst/>
+          </a:prstGeom>
+          <a:ln>
+            <a:solidFill>
+              <a:schemeClr val="tx1">
+                <a:lumMod val="85000"/>
+                <a:lumOff val="15000"/>
+              </a:schemeClr>
+            </a:solidFill>
+          </a:ln>
+        </p:spPr>
+        <p:style>
+          <a:lnRef idx="1">
+            <a:schemeClr val="accent1"/>
+          </a:lnRef>
+          <a:fillRef idx="0">
+            <a:schemeClr val="accent1"/>
+          </a:fillRef>
+          <a:effectRef idx="0">
+            <a:schemeClr val="accent1"/>
+          </a:effectRef>
+          <a:fontRef idx="minor">
+            <a:schemeClr val="tx1"/>
+          </a:fontRef>
+        </p:style>
+      </p:cxnSp>
+      <p:cxnSp>
+        <p:nvCxnSpPr>
+          <p:cNvPr id="22" name="直線接點 21"/>
+          <p:cNvCxnSpPr/>
+          <p:nvPr/>
+        </p:nvCxnSpPr>
+        <p:spPr>
+          <a:xfrm>
+            <a:off x="0" y="2198018"/>
+            <a:ext cx="14859000" cy="0"/>
+          </a:xfrm>
+          <a:prstGeom prst="line">
+            <a:avLst/>
+          </a:prstGeom>
+          <a:ln w="2540">
+            <a:solidFill>
+              <a:schemeClr val="tx1">
+                <a:lumMod val="85000"/>
+                <a:lumOff val="15000"/>
+              </a:schemeClr>
+            </a:solidFill>
+          </a:ln>
+        </p:spPr>
+        <p:style>
+          <a:lnRef idx="1">
+            <a:schemeClr val="accent1"/>
+          </a:lnRef>
+          <a:fillRef idx="0">
+            <a:schemeClr val="accent1"/>
+          </a:fillRef>
+          <a:effectRef idx="0">
+            <a:schemeClr val="accent1"/>
+          </a:effectRef>
+          <a:fontRef idx="minor">
+            <a:schemeClr val="tx1"/>
+          </a:fontRef>
+        </p:style>
+      </p:cxnSp>
+      <p:cxnSp>
+        <p:nvCxnSpPr>
+          <p:cNvPr id="23" name="直線接點 22"/>
+          <p:cNvCxnSpPr/>
+          <p:nvPr/>
+        </p:nvCxnSpPr>
+        <p:spPr>
+          <a:xfrm>
+            <a:off x="0" y="7598618"/>
+            <a:ext cx="14859000" cy="0"/>
+          </a:xfrm>
+          <a:prstGeom prst="line">
+            <a:avLst/>
+          </a:prstGeom>
+          <a:ln w="2540">
+            <a:solidFill>
+              <a:schemeClr val="tx1">
+                <a:lumMod val="85000"/>
+                <a:lumOff val="15000"/>
+              </a:schemeClr>
+            </a:solidFill>
+          </a:ln>
+        </p:spPr>
+        <p:style>
+          <a:lnRef idx="1">
+            <a:schemeClr val="accent1"/>
+          </a:lnRef>
+          <a:fillRef idx="0">
+            <a:schemeClr val="accent1"/>
+          </a:fillRef>
+          <a:effectRef idx="0">
+            <a:schemeClr val="accent1"/>
+          </a:effectRef>
+          <a:fontRef idx="minor">
+            <a:schemeClr val="tx1"/>
+          </a:fontRef>
+        </p:style>
+      </p:cxnSp>
+      <p:sp>
+        <p:nvSpPr>
+          <p:cNvPr id="25" name="文字方塊 24"/>
+          <p:cNvSpPr txBox="1"/>
+          <p:nvPr/>
+        </p:nvSpPr>
+        <p:spPr>
+          <a:xfrm>
+            <a:off x="5088955" y="7814642"/>
+            <a:ext cx="4681090" cy="369332"/>
+          </a:xfrm>
+          <a:prstGeom prst="rect">
+            <a:avLst/>
+          </a:prstGeom>
+          <a:noFill/>
+        </p:spPr>
+        <p:txBody>
+          <a:bodyPr wrap="none" rtlCol="0">
+            <a:spAutoFit/>
+          </a:bodyPr>
+          <a:lstStyle/>
+          <a:p>
+            <a:r>
+              <a:rPr lang="en-US" altLang="zh-TW" sz="1800" dirty="0" smtClean="0">
+                <a:solidFill>
+                  <a:schemeClr val="bg1">
+                    <a:lumMod val="65000"/>
+                  </a:schemeClr>
+                </a:solidFill>
+                <a:latin typeface="Noto Sans Tamil" pitchFamily="34" charset="0"/>
+                <a:cs typeface="Noto Sans Tamil" pitchFamily="34" charset="0"/>
+              </a:rPr>
+              <a:t>Copyright @ created by BJ in 20170422 QAQ</a:t>
+            </a:r>
+            <a:endParaRPr lang="zh-TW" altLang="en-US" sz="1800" dirty="0">
+              <a:solidFill>
+                <a:schemeClr val="bg1">
+                  <a:lumMod val="65000"/>
+                </a:schemeClr>
+              </a:solidFill>
+              <a:latin typeface="Noto Sans Tamil" pitchFamily="34" charset="0"/>
+              <a:cs typeface="Noto Sans Tamil" pitchFamily="34" charset="0"/>
+            </a:endParaRPr>
+          </a:p>
+        </p:txBody>
+      </p:sp>
       <p:sp>
         <p:nvSpPr>
           <p:cNvPr id="27" name="文字方塊 26"/>
@@ -4296,6 +5391,13 @@
   <p:clrMapOvr>
     <a:masterClrMapping/>
   </p:clrMapOvr>
+  <p:timing>
+    <p:tnLst>
+      <p:par>
+        <p:cTn id="1" dur="indefinite" restart="never" nodeType="tmRoot"/>
+      </p:par>
+    </p:tnLst>
+  </p:timing>
 </p:sld>
 </file>
 
@@ -4348,7 +5450,7 @@
         </p:nvSpPr>
         <p:spPr>
           <a:xfrm>
-            <a:off x="0" y="685850"/>
+            <a:off x="0" y="720080"/>
             <a:ext cx="14859000" cy="7886650"/>
           </a:xfrm>
           <a:prstGeom prst="rect">
@@ -4388,7 +5490,7 @@
       </p:sp>
       <p:pic>
         <p:nvPicPr>
-          <p:cNvPr id="31" name="圖片 30" descr="AANaMuQ.png"/>
+          <p:cNvPr id="6" name="圖片 5" descr="LandingRing.png"/>
           <p:cNvPicPr>
             <a:picLocks noChangeAspect="1"/>
           </p:cNvPicPr>
@@ -4402,7 +5504,39 @@
         </p:blipFill>
         <p:spPr>
           <a:xfrm>
-            <a:off x="2007278" y="2414042"/>
+            <a:off x="2778646" y="3339448"/>
+            <a:ext cx="9301708" cy="5051258"/>
+          </a:xfrm>
+          <a:prstGeom prst="rect">
+            <a:avLst/>
+          </a:prstGeom>
+          <a:ln>
+            <a:noFill/>
+          </a:ln>
+          <a:effectLst>
+            <a:softEdge rad="317500"/>
+          </a:effectLst>
+        </p:spPr>
+      </p:pic>
+      <p:pic>
+        <p:nvPicPr>
+          <p:cNvPr id="31" name="圖片 30" descr="AANaMuQ.png"/>
+          <p:cNvPicPr>
+            <a:picLocks noChangeAspect="1"/>
+          </p:cNvPicPr>
+          <p:nvPr/>
+        </p:nvPicPr>
+        <p:blipFill>
+          <a:blip r:embed="rId4" cstate="email">
+            <a:lum bright="-10000"/>
+          </a:blip>
+          <a:stretch>
+            <a:fillRect/>
+          </a:stretch>
+        </p:blipFill>
+        <p:spPr>
+          <a:xfrm>
+            <a:off x="2007278" y="1615250"/>
             <a:ext cx="10844445" cy="2526984"/>
           </a:xfrm>
           <a:prstGeom prst="rect">
@@ -4418,8 +5552,8 @@
         </p:nvSpPr>
         <p:spPr>
           <a:xfrm>
-            <a:off x="5533180" y="5438378"/>
-            <a:ext cx="3792641" cy="523220"/>
+            <a:off x="5756318" y="3907046"/>
+            <a:ext cx="3346365" cy="461665"/>
           </a:xfrm>
           <a:prstGeom prst="rect">
             <a:avLst/>
@@ -4433,17 +5567,17 @@
           <a:lstStyle/>
           <a:p>
             <a:r>
-              <a:rPr lang="en-US" altLang="zh-TW" sz="2800" b="1" spc="200" dirty="0" smtClean="0">
-                <a:solidFill>
-                  <a:srgbClr val="D89F12"/>
+              <a:rPr lang="en-US" altLang="zh-TW" sz="2400" b="1" spc="200" dirty="0" smtClean="0">
+                <a:solidFill>
+                  <a:srgbClr val="B9880F"/>
                 </a:solidFill>
                 <a:latin typeface="Ringbearer" pitchFamily="18" charset="0"/>
               </a:rPr>
               <a:t>Press any Buttons</a:t>
             </a:r>
-            <a:endParaRPr lang="zh-TW" altLang="en-US" sz="2800" b="1" spc="200" dirty="0">
+            <a:endParaRPr lang="zh-TW" altLang="en-US" sz="2400" b="1" spc="200" dirty="0">
               <a:solidFill>
-                <a:srgbClr val="D89F12"/>
+                <a:srgbClr val="B9880F"/>
               </a:solidFill>
               <a:latin typeface="Ringbearer" pitchFamily="18" charset="0"/>
             </a:endParaRPr>
@@ -4507,7 +5641,7 @@
         </p:nvSpPr>
         <p:spPr>
           <a:xfrm>
-            <a:off x="0" y="720080"/>
+            <a:off x="0" y="685850"/>
             <a:ext cx="14859000" cy="7886650"/>
           </a:xfrm>
           <a:prstGeom prst="rect">
@@ -4547,36 +5681,6 @@
       </p:sp>
       <p:pic>
         <p:nvPicPr>
-          <p:cNvPr id="6" name="圖片 5" descr="LandingRing.png"/>
-          <p:cNvPicPr>
-            <a:picLocks noChangeAspect="1"/>
-          </p:cNvPicPr>
-          <p:nvPr/>
-        </p:nvPicPr>
-        <p:blipFill>
-          <a:blip r:embed="rId3" cstate="email"/>
-          <a:stretch>
-            <a:fillRect/>
-          </a:stretch>
-        </p:blipFill>
-        <p:spPr>
-          <a:xfrm>
-            <a:off x="2778646" y="3339448"/>
-            <a:ext cx="9301708" cy="5051258"/>
-          </a:xfrm>
-          <a:prstGeom prst="rect">
-            <a:avLst/>
-          </a:prstGeom>
-          <a:ln>
-            <a:noFill/>
-          </a:ln>
-          <a:effectLst>
-            <a:softEdge rad="317500"/>
-          </a:effectLst>
-        </p:spPr>
-      </p:pic>
-      <p:pic>
-        <p:nvPicPr>
           <p:cNvPr id="31" name="圖片 30" descr="AANaMuQ.png"/>
           <p:cNvPicPr>
             <a:picLocks noChangeAspect="1"/>
@@ -4584,8 +5688,8 @@
           <p:nvPr/>
         </p:nvPicPr>
         <p:blipFill>
-          <a:blip r:embed="rId4" cstate="email">
-            <a:lum bright="-10000"/>
+          <a:blip r:embed="rId3" cstate="email">
+            <a:lum bright="-20000"/>
           </a:blip>
           <a:stretch>
             <a:fillRect/>
@@ -4593,7 +5697,7 @@
         </p:blipFill>
         <p:spPr>
           <a:xfrm>
-            <a:off x="2007278" y="1615250"/>
+            <a:off x="2007278" y="2414042"/>
             <a:ext cx="10844445" cy="2526984"/>
           </a:xfrm>
           <a:prstGeom prst="rect">
@@ -4603,14 +5707,14 @@
       </p:pic>
       <p:sp>
         <p:nvSpPr>
-          <p:cNvPr id="33" name="文字方塊 32"/>
+          <p:cNvPr id="6" name="文字方塊 5"/>
           <p:cNvSpPr txBox="1"/>
           <p:nvPr/>
         </p:nvSpPr>
         <p:spPr>
           <a:xfrm>
-            <a:off x="5756318" y="3907046"/>
-            <a:ext cx="3346365" cy="461665"/>
+            <a:off x="5533180" y="5438378"/>
+            <a:ext cx="3792641" cy="523220"/>
           </a:xfrm>
           <a:prstGeom prst="rect">
             <a:avLst/>
@@ -4624,7 +5728,7 @@
           <a:lstStyle/>
           <a:p>
             <a:r>
-              <a:rPr lang="en-US" altLang="zh-TW" sz="2400" b="1" spc="200" dirty="0" smtClean="0">
+              <a:rPr lang="en-US" altLang="zh-TW" sz="2800" b="1" spc="200" dirty="0" smtClean="0">
                 <a:solidFill>
                   <a:srgbClr val="B9880F"/>
                 </a:solidFill>
@@ -4632,7 +5736,7 @@
               </a:rPr>
               <a:t>Press any Buttons</a:t>
             </a:r>
-            <a:endParaRPr lang="zh-TW" altLang="en-US" sz="2400" b="1" spc="200" dirty="0">
+            <a:endParaRPr lang="zh-TW" altLang="en-US" sz="2800" b="1" spc="200" dirty="0">
               <a:solidFill>
                 <a:srgbClr val="B9880F"/>
               </a:solidFill>
@@ -4646,6 +5750,13 @@
   <p:clrMapOvr>
     <a:masterClrMapping/>
   </p:clrMapOvr>
+  <p:timing>
+    <p:tnLst>
+      <p:par>
+        <p:cTn id="1" dur="indefinite" restart="never" nodeType="tmRoot"/>
+      </p:par>
+    </p:tnLst>
+  </p:timing>
 </p:sld>
 </file>
 
@@ -4698,8 +5809,8 @@
         </p:nvSpPr>
         <p:spPr>
           <a:xfrm>
-            <a:off x="1133856" y="2198018"/>
-            <a:ext cx="12594336" cy="5400600"/>
+            <a:off x="-12192" y="2198018"/>
+            <a:ext cx="14874240" cy="5437222"/>
           </a:xfrm>
           <a:prstGeom prst="rect">
             <a:avLst/>
@@ -5554,6 +6665,13 @@
   <p:clrMapOvr>
     <a:masterClrMapping/>
   </p:clrMapOvr>
+  <p:timing>
+    <p:tnLst>
+      <p:par>
+        <p:cTn id="1" dur="indefinite" restart="never" nodeType="tmRoot"/>
+      </p:par>
+    </p:tnLst>
+  </p:timing>
 </p:sld>
 </file>
 
@@ -5600,14 +6718,14 @@
       </p:pic>
       <p:sp>
         <p:nvSpPr>
-          <p:cNvPr id="37" name="矩形 36"/>
+          <p:cNvPr id="20" name="矩形 19"/>
           <p:cNvSpPr/>
           <p:nvPr/>
         </p:nvSpPr>
         <p:spPr>
           <a:xfrm>
-            <a:off x="1133856" y="2198018"/>
-            <a:ext cx="12594336" cy="5400600"/>
+            <a:off x="-12192" y="2198018"/>
+            <a:ext cx="14874240" cy="5437222"/>
           </a:xfrm>
           <a:prstGeom prst="rect">
             <a:avLst/>
@@ -6249,6 +7367,13 @@
   <p:clrMapOvr>
     <a:masterClrMapping/>
   </p:clrMapOvr>
+  <p:timing>
+    <p:tnLst>
+      <p:par>
+        <p:cTn id="1" dur="indefinite" restart="never" nodeType="tmRoot"/>
+      </p:par>
+    </p:tnLst>
+  </p:timing>
 </p:sld>
 </file>
 
@@ -6271,14 +7396,14 @@
       </p:grpSpPr>
       <p:pic>
         <p:nvPicPr>
-          <p:cNvPr id="57" name="圖片 56" descr="Race.png"/>
+          <p:cNvPr id="30" name="圖片 29" descr="Character.png"/>
           <p:cNvPicPr>
             <a:picLocks noChangeAspect="1"/>
           </p:cNvPicPr>
           <p:nvPr/>
         </p:nvPicPr>
         <p:blipFill>
-          <a:blip r:embed="rId2" cstate="email"/>
+          <a:blip r:embed="rId2" cstate="print"/>
           <a:stretch>
             <a:fillRect/>
           </a:stretch>
@@ -6295,14 +7420,14 @@
       </p:pic>
       <p:sp>
         <p:nvSpPr>
-          <p:cNvPr id="37" name="矩形 36"/>
+          <p:cNvPr id="34" name="矩形 33"/>
           <p:cNvSpPr/>
           <p:nvPr/>
         </p:nvSpPr>
         <p:spPr>
           <a:xfrm>
-            <a:off x="1133856" y="2198018"/>
-            <a:ext cx="12594336" cy="5400600"/>
+            <a:off x="-12192" y="2198018"/>
+            <a:ext cx="14874240" cy="5437222"/>
           </a:xfrm>
           <a:prstGeom prst="rect">
             <a:avLst/>
@@ -6341,68 +7466,46 @@
       </p:sp>
       <p:pic>
         <p:nvPicPr>
-          <p:cNvPr id="56" name="圖片 55" descr="Elves.png"/>
+          <p:cNvPr id="31" name="圖片 30" descr="Aragorn_eye.jpg"/>
           <p:cNvPicPr>
             <a:picLocks noChangeAspect="1"/>
           </p:cNvPicPr>
           <p:nvPr/>
         </p:nvPicPr>
         <p:blipFill>
-          <a:blip r:embed="rId3" cstate="email"/>
+          <a:blip r:embed="rId3" cstate="print"/>
           <a:stretch>
             <a:fillRect/>
           </a:stretch>
         </p:blipFill>
         <p:spPr>
           <a:xfrm>
-            <a:off x="5485284" y="2702073"/>
-            <a:ext cx="2826100" cy="4432151"/>
+            <a:off x="2253506" y="2695580"/>
+            <a:ext cx="2776052" cy="489338"/>
           </a:xfrm>
           <a:prstGeom prst="rect">
             <a:avLst/>
           </a:prstGeom>
         </p:spPr>
       </p:pic>
-      <p:pic>
-        <p:nvPicPr>
-          <p:cNvPr id="55" name="圖片 54" descr="Dwarves.jpg"/>
-          <p:cNvPicPr>
-            <a:picLocks noChangeAspect="1"/>
-          </p:cNvPicPr>
-          <p:nvPr/>
-        </p:nvPicPr>
-        <p:blipFill>
-          <a:blip r:embed="rId4" cstate="email"/>
-          <a:stretch>
-            <a:fillRect/>
-          </a:stretch>
-        </p:blipFill>
-        <p:spPr>
-          <a:xfrm>
-            <a:off x="5485284" y="2702074"/>
-            <a:ext cx="2819114" cy="4432151"/>
-          </a:xfrm>
-          <a:prstGeom prst="rect">
-            <a:avLst/>
-          </a:prstGeom>
-        </p:spPr>
-      </p:pic>
-      <p:sp>
-        <p:nvSpPr>
-          <p:cNvPr id="16" name="矩形 15"/>
+      <p:sp>
+        <p:nvSpPr>
+          <p:cNvPr id="53" name="矩形 52"/>
           <p:cNvSpPr/>
           <p:nvPr/>
         </p:nvSpPr>
         <p:spPr>
           <a:xfrm>
-            <a:off x="0" y="685849"/>
-            <a:ext cx="14859000" cy="961975"/>
+            <a:off x="2228850" y="2682240"/>
+            <a:ext cx="2838450" cy="510540"/>
           </a:xfrm>
           <a:prstGeom prst="rect">
             <a:avLst/>
           </a:prstGeom>
           <a:solidFill>
-            <a:schemeClr val="tx1"/>
+            <a:schemeClr val="tx1">
+              <a:alpha val="35000"/>
+            </a:schemeClr>
           </a:solidFill>
           <a:ln>
             <a:noFill/>
@@ -6433,6 +7536,52 @@
           </a:p>
         </p:txBody>
       </p:sp>
+      <p:sp>
+        <p:nvSpPr>
+          <p:cNvPr id="16" name="矩形 15"/>
+          <p:cNvSpPr/>
+          <p:nvPr/>
+        </p:nvSpPr>
+        <p:spPr>
+          <a:xfrm>
+            <a:off x="0" y="685849"/>
+            <a:ext cx="14859000" cy="961975"/>
+          </a:xfrm>
+          <a:prstGeom prst="rect">
+            <a:avLst/>
+          </a:prstGeom>
+          <a:solidFill>
+            <a:schemeClr val="tx1"/>
+          </a:solidFill>
+          <a:ln>
+            <a:noFill/>
+          </a:ln>
+        </p:spPr>
+        <p:style>
+          <a:lnRef idx="2">
+            <a:schemeClr val="accent1">
+              <a:shade val="50000"/>
+            </a:schemeClr>
+          </a:lnRef>
+          <a:fillRef idx="1">
+            <a:schemeClr val="accent1"/>
+          </a:fillRef>
+          <a:effectRef idx="0">
+            <a:schemeClr val="accent1"/>
+          </a:effectRef>
+          <a:fontRef idx="minor">
+            <a:schemeClr val="lt1"/>
+          </a:fontRef>
+        </p:style>
+        <p:txBody>
+          <a:bodyPr rtlCol="0" anchor="ctr"/>
+          <a:lstStyle/>
+          <a:p>
+            <a:pPr algn="ctr"/>
+            <a:endParaRPr lang="zh-TW" altLang="en-US"/>
+          </a:p>
+        </p:txBody>
+      </p:sp>
       <p:pic>
         <p:nvPicPr>
           <p:cNvPr id="5" name="圖片 4" descr="dsfiles-img-60392-1341613337.png"/>
@@ -6442,7 +7591,7 @@
           <p:nvPr/>
         </p:nvPicPr>
         <p:blipFill>
-          <a:blip r:embed="rId5" cstate="email"/>
+          <a:blip r:embed="rId4" cstate="email"/>
           <a:stretch>
             <a:fillRect/>
           </a:stretch>
@@ -6760,7 +7909,7 @@
         <p:spPr>
           <a:xfrm>
             <a:off x="8941668" y="3358852"/>
-            <a:ext cx="3528392" cy="3503523"/>
+            <a:ext cx="3528392" cy="3683060"/>
           </a:xfrm>
           <a:prstGeom prst="rect">
             <a:avLst/>
@@ -6789,7 +7938,33 @@
                 <a:ea typeface="Arial Unicode MS" pitchFamily="34" charset="-120"/>
                 <a:cs typeface="Arial Unicode MS" pitchFamily="34" charset="-120"/>
               </a:rPr>
-              <a:t>The Dwarves are a race inhabiting Middle-earth. They are based on the dwarfs of Germanic myths: small humanoids that dwell in mountains, and are associated with mining, metal-craft and jewelry.</a:t>
+              <a:t>the reorganizing and rehabilitation of Middle-earth, 'neglected by the gods,' </a:t>
+            </a:r>
+            <a:r>
+              <a:rPr lang="en-US" altLang="zh-TW" sz="1200" spc="100" dirty="0" err="1" smtClean="0">
+                <a:solidFill>
+                  <a:schemeClr val="bg1">
+                    <a:lumMod val="75000"/>
+                  </a:schemeClr>
+                </a:solidFill>
+                <a:latin typeface="Candara" pitchFamily="34" charset="0"/>
+                <a:ea typeface="Arial Unicode MS" pitchFamily="34" charset="-120"/>
+                <a:cs typeface="Arial Unicode MS" pitchFamily="34" charset="-120"/>
+              </a:rPr>
+              <a:t>Sauron</a:t>
+            </a:r>
+            <a:r>
+              <a:rPr lang="en-US" altLang="zh-TW" sz="1200" spc="100" dirty="0" smtClean="0">
+                <a:solidFill>
+                  <a:schemeClr val="bg1">
+                    <a:lumMod val="75000"/>
+                  </a:schemeClr>
+                </a:solidFill>
+                <a:latin typeface="Candara" pitchFamily="34" charset="0"/>
+                <a:ea typeface="Arial Unicode MS" pitchFamily="34" charset="-120"/>
+                <a:cs typeface="Arial Unicode MS" pitchFamily="34" charset="-120"/>
+              </a:rPr>
+              <a:t>  becomes a reincarnation of Evil, and a thing lusting for Complete Power", eventually rising to become "master and god of Men".</a:t>
             </a:r>
           </a:p>
           <a:p>
@@ -6826,7 +8001,7 @@
                 <a:ea typeface="Arial Unicode MS" pitchFamily="34" charset="-120"/>
                 <a:cs typeface="Arial Unicode MS" pitchFamily="34" charset="-120"/>
               </a:rPr>
-              <a:t>The Dwarves are described as shorter and stockier than Elves and Men, able to withstand both heat and cold. Though they are mortal, Dwarves have an average lifespan of 250 </a:t>
+              <a:t>Gandalf deduced that the ring that Bilbo had found in Gollum's cave was indeed </a:t>
             </a:r>
             <a:r>
               <a:rPr lang="en-US" altLang="zh-TW" sz="1200" spc="100" dirty="0" err="1" smtClean="0">
@@ -6839,7 +8014,7 @@
                 <a:ea typeface="Arial Unicode MS" pitchFamily="34" charset="-120"/>
                 <a:cs typeface="Arial Unicode MS" pitchFamily="34" charset="-120"/>
               </a:rPr>
-              <a:t>years.They</a:t>
+              <a:t>Sauron's</a:t>
             </a:r>
             <a:r>
               <a:rPr lang="en-US" altLang="zh-TW" sz="1200" spc="100" dirty="0" smtClean="0">
@@ -6852,7 +8027,7 @@
                 <a:ea typeface="Arial Unicode MS" pitchFamily="34" charset="-120"/>
                 <a:cs typeface="Arial Unicode MS" pitchFamily="34" charset="-120"/>
               </a:rPr>
-              <a:t> breed slowly, for no more than a third of them are female, and not all marry; also, female Dwarves look and sound (and dress, if journeying—which is rare) so alike to Dwarf-males that other folk cannot distinguish them, and thus others wrongly believe Dwarves grow out of </a:t>
+              <a:t> lost Master-ring. He informed Frodo about the true nature of the heirloom Bilbo had left for him, and its terrible potential if </a:t>
             </a:r>
             <a:r>
               <a:rPr lang="en-US" altLang="zh-TW" sz="1200" spc="100" dirty="0" err="1" smtClean="0">
@@ -6865,7 +8040,7 @@
                 <a:ea typeface="Arial Unicode MS" pitchFamily="34" charset="-120"/>
                 <a:cs typeface="Arial Unicode MS" pitchFamily="34" charset="-120"/>
               </a:rPr>
-              <a:t>stone.Dwarves</a:t>
+              <a:t>Sauron</a:t>
             </a:r>
             <a:r>
               <a:rPr lang="en-US" altLang="zh-TW" sz="1200" spc="100" dirty="0" smtClean="0">
@@ -6878,7 +8053,33 @@
                 <a:ea typeface="Arial Unicode MS" pitchFamily="34" charset="-120"/>
                 <a:cs typeface="Arial Unicode MS" pitchFamily="34" charset="-120"/>
               </a:rPr>
-              <a:t> are great metalworkers, smiths and stoneworkers. </a:t>
+              <a:t> should ever regain it: "The Enemy still lacks one thing to give him strength and knowledge to beat down all resistance, break the last </a:t>
+            </a:r>
+            <a:r>
+              <a:rPr lang="en-US" altLang="zh-TW" sz="1200" spc="100" dirty="0" err="1" smtClean="0">
+                <a:solidFill>
+                  <a:schemeClr val="bg1">
+                    <a:lumMod val="75000"/>
+                  </a:schemeClr>
+                </a:solidFill>
+                <a:latin typeface="Candara" pitchFamily="34" charset="0"/>
+                <a:ea typeface="Arial Unicode MS" pitchFamily="34" charset="-120"/>
+                <a:cs typeface="Arial Unicode MS" pitchFamily="34" charset="-120"/>
+              </a:rPr>
+              <a:t>defences</a:t>
+            </a:r>
+            <a:r>
+              <a:rPr lang="en-US" altLang="zh-TW" sz="1200" spc="100" dirty="0" smtClean="0">
+                <a:solidFill>
+                  <a:schemeClr val="bg1">
+                    <a:lumMod val="75000"/>
+                  </a:schemeClr>
+                </a:solidFill>
+                <a:latin typeface="Candara" pitchFamily="34" charset="0"/>
+                <a:ea typeface="Arial Unicode MS" pitchFamily="34" charset="-120"/>
+                <a:cs typeface="Arial Unicode MS" pitchFamily="34" charset="-120"/>
+              </a:rPr>
+              <a:t>, and cover all the lands in a second darkness. He lacks the One Ring... So he is seeking it, seeking it, and all his thought is bent on it."</a:t>
             </a:r>
           </a:p>
         </p:txBody>
@@ -6907,7 +8108,7 @@
           <a:p>
             <a:pPr algn="ctr"/>
             <a:r>
-              <a:rPr lang="en-US" altLang="zh-TW" sz="2000" dirty="0" smtClean="0">
+              <a:rPr lang="en-US" altLang="zh-TW" sz="2000" dirty="0" err="1" smtClean="0">
                 <a:solidFill>
                   <a:schemeClr val="bg1">
                     <a:lumMod val="75000"/>
@@ -6915,7 +8116,7 @@
                 </a:solidFill>
                 <a:latin typeface="Ringbearer" pitchFamily="18" charset="0"/>
               </a:rPr>
-              <a:t>Dwarves</a:t>
+              <a:t>Sauron</a:t>
             </a:r>
             <a:endParaRPr lang="zh-TW" altLang="en-US" sz="2000" dirty="0">
               <a:solidFill>
@@ -6967,22 +8168,22 @@
       </p:cxnSp>
       <p:pic>
         <p:nvPicPr>
-          <p:cNvPr id="58" name="圖片 57" descr="Dwarves_eye.png"/>
+          <p:cNvPr id="44" name="圖片 43" descr="Aragorn_eye.jpg"/>
           <p:cNvPicPr>
             <a:picLocks noChangeAspect="1"/>
           </p:cNvPicPr>
           <p:nvPr/>
         </p:nvPicPr>
         <p:blipFill>
-          <a:blip r:embed="rId6" cstate="email"/>
+          <a:blip r:embed="rId5" cstate="print"/>
           <a:stretch>
             <a:fillRect/>
           </a:stretch>
         </p:blipFill>
         <p:spPr>
           <a:xfrm>
-            <a:off x="2235242" y="2696674"/>
-            <a:ext cx="2832058" cy="743772"/>
+            <a:off x="2251997" y="6662514"/>
+            <a:ext cx="2779070" cy="489338"/>
           </a:xfrm>
           <a:prstGeom prst="rect">
             <a:avLst/>
@@ -6991,22 +8192,22 @@
       </p:pic>
       <p:pic>
         <p:nvPicPr>
-          <p:cNvPr id="59" name="圖片 58" descr="Dwarves_eye.png"/>
+          <p:cNvPr id="45" name="圖片 44" descr="Aragorn_eye.jpg"/>
           <p:cNvPicPr>
             <a:picLocks noChangeAspect="1"/>
           </p:cNvPicPr>
           <p:nvPr/>
         </p:nvPicPr>
         <p:blipFill>
-          <a:blip r:embed="rId7" cstate="email"/>
+          <a:blip r:embed="rId6" cstate="print"/>
           <a:stretch>
             <a:fillRect/>
           </a:stretch>
         </p:blipFill>
         <p:spPr>
           <a:xfrm>
-            <a:off x="2235242" y="3440153"/>
-            <a:ext cx="2832058" cy="743011"/>
+            <a:off x="2233891" y="3191447"/>
+            <a:ext cx="2815282" cy="489338"/>
           </a:xfrm>
           <a:prstGeom prst="rect">
             <a:avLst/>
@@ -7015,22 +8216,22 @@
       </p:pic>
       <p:pic>
         <p:nvPicPr>
-          <p:cNvPr id="60" name="圖片 59" descr="Dwarves_eye.png"/>
+          <p:cNvPr id="46" name="圖片 45" descr="Aragorn_eye.jpg"/>
           <p:cNvPicPr>
             <a:picLocks noChangeAspect="1"/>
           </p:cNvPicPr>
           <p:nvPr/>
         </p:nvPicPr>
         <p:blipFill>
-          <a:blip r:embed="rId8" cstate="email"/>
+          <a:blip r:embed="rId7" cstate="print"/>
           <a:stretch>
             <a:fillRect/>
           </a:stretch>
         </p:blipFill>
         <p:spPr>
           <a:xfrm>
-            <a:off x="2235242" y="4184879"/>
-            <a:ext cx="2832058" cy="739757"/>
+            <a:off x="2235501" y="4183181"/>
+            <a:ext cx="2812062" cy="489338"/>
           </a:xfrm>
           <a:prstGeom prst="rect">
             <a:avLst/>
@@ -7039,22 +8240,22 @@
       </p:pic>
       <p:pic>
         <p:nvPicPr>
-          <p:cNvPr id="61" name="圖片 60" descr="Dwarves_eye.png"/>
+          <p:cNvPr id="47" name="圖片 46" descr="Aragorn_eye.jpg"/>
           <p:cNvPicPr>
             <a:picLocks noChangeAspect="1"/>
           </p:cNvPicPr>
           <p:nvPr/>
         </p:nvPicPr>
         <p:blipFill>
-          <a:blip r:embed="rId9" cstate="email"/>
+          <a:blip r:embed="rId8" cstate="print"/>
           <a:stretch>
             <a:fillRect/>
           </a:stretch>
         </p:blipFill>
         <p:spPr>
           <a:xfrm>
-            <a:off x="2235242" y="4928458"/>
-            <a:ext cx="2832058" cy="738797"/>
+            <a:off x="2237345" y="4679048"/>
+            <a:ext cx="2808374" cy="489338"/>
           </a:xfrm>
           <a:prstGeom prst="rect">
             <a:avLst/>
@@ -7063,22 +8264,22 @@
       </p:pic>
       <p:pic>
         <p:nvPicPr>
-          <p:cNvPr id="62" name="圖片 61" descr="Dwarves_eye.png"/>
+          <p:cNvPr id="48" name="圖片 47" descr="Aragorn_eye.jpg"/>
           <p:cNvPicPr>
             <a:picLocks noChangeAspect="1"/>
           </p:cNvPicPr>
           <p:nvPr/>
         </p:nvPicPr>
         <p:blipFill>
-          <a:blip r:embed="rId10" cstate="email"/>
+          <a:blip r:embed="rId9" cstate="print"/>
           <a:stretch>
             <a:fillRect/>
           </a:stretch>
         </p:blipFill>
         <p:spPr>
           <a:xfrm>
-            <a:off x="2235242" y="5669070"/>
-            <a:ext cx="2816305" cy="743772"/>
+            <a:off x="2230780" y="5175054"/>
+            <a:ext cx="2821504" cy="489060"/>
           </a:xfrm>
           <a:prstGeom prst="rect">
             <a:avLst/>
@@ -7087,38 +8288,110 @@
       </p:pic>
       <p:pic>
         <p:nvPicPr>
-          <p:cNvPr id="63" name="圖片 62" descr="Dwarves_eye.png"/>
+          <p:cNvPr id="49" name="圖片 48" descr="Aragorn_eye.jpg"/>
           <p:cNvPicPr>
             <a:picLocks noChangeAspect="1"/>
           </p:cNvPicPr>
           <p:nvPr/>
         </p:nvPicPr>
         <p:blipFill>
-          <a:blip r:embed="rId11" cstate="email"/>
+          <a:blip r:embed="rId10" cstate="print"/>
           <a:stretch>
             <a:fillRect/>
           </a:stretch>
         </p:blipFill>
         <p:spPr>
           <a:xfrm>
-            <a:off x="2235242" y="6407254"/>
-            <a:ext cx="2832058" cy="737930"/>
+            <a:off x="2240605" y="3687314"/>
+            <a:ext cx="2801854" cy="489338"/>
           </a:xfrm>
           <a:prstGeom prst="rect">
             <a:avLst/>
           </a:prstGeom>
         </p:spPr>
       </p:pic>
-      <p:sp>
-        <p:nvSpPr>
-          <p:cNvPr id="72" name="矩形 71"/>
+      <p:pic>
+        <p:nvPicPr>
+          <p:cNvPr id="50" name="圖片 49" descr="Aragorn_eye.jpg"/>
+          <p:cNvPicPr>
+            <a:picLocks noChangeAspect="1"/>
+          </p:cNvPicPr>
+          <p:nvPr/>
+        </p:nvPicPr>
+        <p:blipFill>
+          <a:blip r:embed="rId11" cstate="print"/>
+          <a:stretch>
+            <a:fillRect/>
+          </a:stretch>
+        </p:blipFill>
+        <p:spPr>
+          <a:xfrm>
+            <a:off x="2230780" y="5671868"/>
+            <a:ext cx="2821504" cy="487166"/>
+          </a:xfrm>
+          <a:prstGeom prst="rect">
+            <a:avLst/>
+          </a:prstGeom>
+        </p:spPr>
+      </p:pic>
+      <p:pic>
+        <p:nvPicPr>
+          <p:cNvPr id="51" name="圖片 50" descr="Aragorn_eye.jpg"/>
+          <p:cNvPicPr>
+            <a:picLocks noChangeAspect="1"/>
+          </p:cNvPicPr>
+          <p:nvPr/>
+        </p:nvPicPr>
+        <p:blipFill>
+          <a:blip r:embed="rId12" cstate="print"/>
+          <a:stretch>
+            <a:fillRect/>
+          </a:stretch>
+        </p:blipFill>
+        <p:spPr>
+          <a:xfrm>
+            <a:off x="2241848" y="6166649"/>
+            <a:ext cx="2799366" cy="489338"/>
+          </a:xfrm>
+          <a:prstGeom prst="rect">
+            <a:avLst/>
+          </a:prstGeom>
+        </p:spPr>
+      </p:pic>
+      <p:pic>
+        <p:nvPicPr>
+          <p:cNvPr id="52" name="圖片 51" descr="Sauron.jpg"/>
+          <p:cNvPicPr>
+            <a:picLocks noChangeAspect="1"/>
+          </p:cNvPicPr>
+          <p:nvPr/>
+        </p:nvPicPr>
+        <p:blipFill>
+          <a:blip r:embed="rId13" cstate="print"/>
+          <a:stretch>
+            <a:fillRect/>
+          </a:stretch>
+        </p:blipFill>
+        <p:spPr>
+          <a:xfrm>
+            <a:off x="5485715" y="2702074"/>
+            <a:ext cx="2820084" cy="4432151"/>
+          </a:xfrm>
+          <a:prstGeom prst="rect">
+            <a:avLst/>
+          </a:prstGeom>
+        </p:spPr>
+      </p:pic>
+      <p:sp>
+        <p:nvSpPr>
+          <p:cNvPr id="54" name="矩形 53"/>
           <p:cNvSpPr/>
           <p:nvPr/>
         </p:nvSpPr>
         <p:spPr>
           <a:xfrm>
-            <a:off x="2228850" y="3438326"/>
-            <a:ext cx="2838450" cy="742950"/>
+            <a:off x="2228850" y="6158458"/>
+            <a:ext cx="2838450" cy="510540"/>
           </a:xfrm>
           <a:prstGeom prst="rect">
             <a:avLst/>
@@ -7159,14 +8432,14 @@
       </p:sp>
       <p:sp>
         <p:nvSpPr>
-          <p:cNvPr id="73" name="矩形 72"/>
+          <p:cNvPr id="64" name="矩形 63"/>
           <p:cNvSpPr/>
           <p:nvPr/>
         </p:nvSpPr>
         <p:spPr>
           <a:xfrm>
-            <a:off x="2228850" y="4181077"/>
-            <a:ext cx="2838450" cy="742950"/>
+            <a:off x="2228850" y="5165255"/>
+            <a:ext cx="2838450" cy="510540"/>
           </a:xfrm>
           <a:prstGeom prst="rect">
             <a:avLst/>
@@ -7207,14 +8480,14 @@
       </p:sp>
       <p:sp>
         <p:nvSpPr>
-          <p:cNvPr id="74" name="矩形 73"/>
+          <p:cNvPr id="65" name="矩形 64"/>
           <p:cNvSpPr/>
           <p:nvPr/>
         </p:nvSpPr>
         <p:spPr>
           <a:xfrm>
-            <a:off x="2228850" y="4923828"/>
-            <a:ext cx="2838450" cy="742950"/>
+            <a:off x="2228850" y="4172049"/>
+            <a:ext cx="2838450" cy="510540"/>
           </a:xfrm>
           <a:prstGeom prst="rect">
             <a:avLst/>
@@ -7255,14 +8528,14 @@
       </p:sp>
       <p:sp>
         <p:nvSpPr>
-          <p:cNvPr id="75" name="矩形 74"/>
+          <p:cNvPr id="66" name="矩形 65"/>
           <p:cNvSpPr/>
           <p:nvPr/>
         </p:nvSpPr>
         <p:spPr>
           <a:xfrm>
-            <a:off x="2228850" y="5666579"/>
-            <a:ext cx="2838450" cy="742950"/>
+            <a:off x="2228850" y="3675446"/>
+            <a:ext cx="2838450" cy="510540"/>
           </a:xfrm>
           <a:prstGeom prst="rect">
             <a:avLst/>
@@ -7303,14 +8576,14 @@
       </p:sp>
       <p:sp>
         <p:nvSpPr>
-          <p:cNvPr id="76" name="矩形 75"/>
+          <p:cNvPr id="67" name="矩形 66"/>
           <p:cNvSpPr/>
           <p:nvPr/>
         </p:nvSpPr>
         <p:spPr>
           <a:xfrm>
-            <a:off x="2228850" y="6409332"/>
-            <a:ext cx="2838450" cy="742950"/>
+            <a:off x="2228850" y="3178843"/>
+            <a:ext cx="2838450" cy="510540"/>
           </a:xfrm>
           <a:prstGeom prst="rect">
             <a:avLst/>
@@ -7349,11 +8622,114 @@
           </a:p>
         </p:txBody>
       </p:sp>
+      <p:sp>
+        <p:nvSpPr>
+          <p:cNvPr id="68" name="矩形 67"/>
+          <p:cNvSpPr/>
+          <p:nvPr/>
+        </p:nvSpPr>
+        <p:spPr>
+          <a:xfrm>
+            <a:off x="2228850" y="4668652"/>
+            <a:ext cx="2838450" cy="510540"/>
+          </a:xfrm>
+          <a:prstGeom prst="rect">
+            <a:avLst/>
+          </a:prstGeom>
+          <a:solidFill>
+            <a:schemeClr val="tx1">
+              <a:alpha val="35000"/>
+            </a:schemeClr>
+          </a:solidFill>
+          <a:ln>
+            <a:noFill/>
+          </a:ln>
+        </p:spPr>
+        <p:style>
+          <a:lnRef idx="2">
+            <a:schemeClr val="accent1">
+              <a:shade val="50000"/>
+            </a:schemeClr>
+          </a:lnRef>
+          <a:fillRef idx="1">
+            <a:schemeClr val="accent1"/>
+          </a:fillRef>
+          <a:effectRef idx="0">
+            <a:schemeClr val="accent1"/>
+          </a:effectRef>
+          <a:fontRef idx="minor">
+            <a:schemeClr val="lt1"/>
+          </a:fontRef>
+        </p:style>
+        <p:txBody>
+          <a:bodyPr rtlCol="0" anchor="ctr"/>
+          <a:lstStyle/>
+          <a:p>
+            <a:pPr algn="ctr"/>
+            <a:endParaRPr lang="zh-TW" altLang="en-US"/>
+          </a:p>
+        </p:txBody>
+      </p:sp>
+      <p:sp>
+        <p:nvSpPr>
+          <p:cNvPr id="69" name="矩形 68"/>
+          <p:cNvSpPr/>
+          <p:nvPr/>
+        </p:nvSpPr>
+        <p:spPr>
+          <a:xfrm>
+            <a:off x="2228850" y="5661858"/>
+            <a:ext cx="2838450" cy="510540"/>
+          </a:xfrm>
+          <a:prstGeom prst="rect">
+            <a:avLst/>
+          </a:prstGeom>
+          <a:solidFill>
+            <a:schemeClr val="tx1">
+              <a:alpha val="35000"/>
+            </a:schemeClr>
+          </a:solidFill>
+          <a:ln>
+            <a:noFill/>
+          </a:ln>
+        </p:spPr>
+        <p:style>
+          <a:lnRef idx="2">
+            <a:schemeClr val="accent1">
+              <a:shade val="50000"/>
+            </a:schemeClr>
+          </a:lnRef>
+          <a:fillRef idx="1">
+            <a:schemeClr val="accent1"/>
+          </a:fillRef>
+          <a:effectRef idx="0">
+            <a:schemeClr val="accent1"/>
+          </a:effectRef>
+          <a:fontRef idx="minor">
+            <a:schemeClr val="lt1"/>
+          </a:fontRef>
+        </p:style>
+        <p:txBody>
+          <a:bodyPr rtlCol="0" anchor="ctr"/>
+          <a:lstStyle/>
+          <a:p>
+            <a:pPr algn="ctr"/>
+            <a:endParaRPr lang="zh-TW" altLang="en-US"/>
+          </a:p>
+        </p:txBody>
+      </p:sp>
     </p:spTree>
   </p:cSld>
   <p:clrMapOvr>
     <a:masterClrMapping/>
   </p:clrMapOvr>
+  <p:timing>
+    <p:tnLst>
+      <p:par>
+        <p:cTn id="1" dur="indefinite" restart="never" nodeType="tmRoot"/>
+      </p:par>
+    </p:tnLst>
+  </p:timing>
 </p:sld>
 </file>
 
@@ -7376,7 +8752,7 @@
       </p:grpSpPr>
       <p:pic>
         <p:nvPicPr>
-          <p:cNvPr id="20" name="圖片 19" descr="Movie.png"/>
+          <p:cNvPr id="57" name="圖片 56" descr="Race.png"/>
           <p:cNvPicPr>
             <a:picLocks noChangeAspect="1"/>
           </p:cNvPicPr>
@@ -7400,14 +8776,14 @@
       </p:pic>
       <p:sp>
         <p:nvSpPr>
-          <p:cNvPr id="37" name="矩形 36"/>
+          <p:cNvPr id="29" name="矩形 28"/>
           <p:cNvSpPr/>
           <p:nvPr/>
         </p:nvSpPr>
         <p:spPr>
           <a:xfrm>
-            <a:off x="1114816" y="2198018"/>
-            <a:ext cx="12613376" cy="5400600"/>
+            <a:off x="-12192" y="2198018"/>
+            <a:ext cx="14874240" cy="5437222"/>
           </a:xfrm>
           <a:prstGeom prst="rect">
             <a:avLst/>
@@ -7440,10 +8816,58 @@
           <a:lstStyle/>
           <a:p>
             <a:pPr algn="ctr"/>
-            <a:endParaRPr lang="zh-TW" altLang="en-US" dirty="0"/>
-          </a:p>
-        </p:txBody>
-      </p:sp>
+            <a:endParaRPr lang="zh-TW" altLang="en-US"/>
+          </a:p>
+        </p:txBody>
+      </p:sp>
+      <p:pic>
+        <p:nvPicPr>
+          <p:cNvPr id="56" name="圖片 55" descr="Elves.png"/>
+          <p:cNvPicPr>
+            <a:picLocks noChangeAspect="1"/>
+          </p:cNvPicPr>
+          <p:nvPr/>
+        </p:nvPicPr>
+        <p:blipFill>
+          <a:blip r:embed="rId3" cstate="email"/>
+          <a:stretch>
+            <a:fillRect/>
+          </a:stretch>
+        </p:blipFill>
+        <p:spPr>
+          <a:xfrm>
+            <a:off x="5485284" y="2702073"/>
+            <a:ext cx="2826100" cy="4432151"/>
+          </a:xfrm>
+          <a:prstGeom prst="rect">
+            <a:avLst/>
+          </a:prstGeom>
+        </p:spPr>
+      </p:pic>
+      <p:pic>
+        <p:nvPicPr>
+          <p:cNvPr id="55" name="圖片 54" descr="Dwarves.jpg"/>
+          <p:cNvPicPr>
+            <a:picLocks noChangeAspect="1"/>
+          </p:cNvPicPr>
+          <p:nvPr/>
+        </p:nvPicPr>
+        <p:blipFill>
+          <a:blip r:embed="rId4" cstate="print"/>
+          <a:stretch>
+            <a:fillRect/>
+          </a:stretch>
+        </p:blipFill>
+        <p:spPr>
+          <a:xfrm>
+            <a:off x="5485284" y="2702615"/>
+            <a:ext cx="2819114" cy="4431068"/>
+          </a:xfrm>
+          <a:prstGeom prst="rect">
+            <a:avLst/>
+          </a:prstGeom>
+        </p:spPr>
+      </p:pic>
       <p:sp>
         <p:nvSpPr>
           <p:cNvPr id="16" name="矩形 15"/>
@@ -7499,7 +8923,7 @@
           <p:nvPr/>
         </p:nvPicPr>
         <p:blipFill>
-          <a:blip r:embed="rId3" cstate="email"/>
+          <a:blip r:embed="rId5" cstate="email"/>
           <a:stretch>
             <a:fillRect/>
           </a:stretch>
@@ -7724,6 +9148,46 @@
       </p:cxnSp>
       <p:sp>
         <p:nvSpPr>
+          <p:cNvPr id="24" name="文字方塊 23"/>
+          <p:cNvSpPr txBox="1"/>
+          <p:nvPr/>
+        </p:nvSpPr>
+        <p:spPr>
+          <a:xfrm>
+            <a:off x="1092796" y="1725900"/>
+            <a:ext cx="12684164" cy="400110"/>
+          </a:xfrm>
+          <a:prstGeom prst="rect">
+            <a:avLst/>
+          </a:prstGeom>
+          <a:noFill/>
+        </p:spPr>
+        <p:txBody>
+          <a:bodyPr wrap="square" rtlCol="0">
+            <a:spAutoFit/>
+          </a:bodyPr>
+          <a:lstStyle/>
+          <a:p>
+            <a:pPr algn="dist"/>
+            <a:r>
+              <a:rPr lang="en-US" altLang="zh-TW" sz="2000" dirty="0" smtClean="0">
+                <a:solidFill>
+                  <a:srgbClr val="977C09"/>
+                </a:solidFill>
+                <a:latin typeface="Ringbearer" pitchFamily="18" charset="0"/>
+              </a:rPr>
+              <a:t>Concept    World    Characters    Race    Movie    Author    Series    Influence    Reference</a:t>
+            </a:r>
+            <a:endParaRPr lang="zh-TW" altLang="en-US" sz="2000" dirty="0">
+              <a:solidFill>
+                <a:srgbClr val="977C09"/>
+              </a:solidFill>
+            </a:endParaRPr>
+          </a:p>
+        </p:txBody>
+      </p:sp>
+      <p:sp>
+        <p:nvSpPr>
           <p:cNvPr id="25" name="文字方塊 24"/>
           <p:cNvSpPr txBox="1"/>
           <p:nvPr/>
@@ -7770,14 +9234,14 @@
       </p:sp>
       <p:sp>
         <p:nvSpPr>
-          <p:cNvPr id="35" name="文字方塊 34"/>
+          <p:cNvPr id="39" name="文字方塊 38"/>
           <p:cNvSpPr txBox="1"/>
           <p:nvPr/>
         </p:nvSpPr>
         <p:spPr>
           <a:xfrm>
-            <a:off x="1092796" y="1725900"/>
-            <a:ext cx="12684164" cy="400110"/>
+            <a:off x="8941668" y="3358852"/>
+            <a:ext cx="3528392" cy="3503523"/>
           </a:xfrm>
           <a:prstGeom prst="rect">
             <a:avLst/>
@@ -7790,178 +9254,126 @@
           </a:bodyPr>
           <a:lstStyle/>
           <a:p>
-            <a:pPr algn="dist"/>
-            <a:r>
-              <a:rPr lang="en-US" altLang="zh-TW" sz="2000" dirty="0" smtClean="0">
-                <a:solidFill>
-                  <a:srgbClr val="977C09"/>
-                </a:solidFill>
-                <a:latin typeface="Ringbearer" pitchFamily="18" charset="0"/>
-              </a:rPr>
-              <a:t>Concept    World    Characters    Race    Movie    Author    Series    Influence    Reference</a:t>
-            </a:r>
-            <a:endParaRPr lang="zh-TW" altLang="en-US" sz="2000" dirty="0">
-              <a:solidFill>
-                <a:srgbClr val="977C09"/>
-              </a:solidFill>
-            </a:endParaRPr>
-          </a:p>
-        </p:txBody>
-      </p:sp>
-      <p:pic>
-        <p:nvPicPr>
-          <p:cNvPr id="24" name="圖片 23" descr="Video.png"/>
-          <p:cNvPicPr>
-            <a:picLocks noChangeAspect="1"/>
-          </p:cNvPicPr>
-          <p:nvPr/>
-        </p:nvPicPr>
-        <p:blipFill>
-          <a:blip r:embed="rId4" cstate="email"/>
-          <a:srcRect/>
-          <a:stretch>
-            <a:fillRect/>
-          </a:stretch>
-        </p:blipFill>
-        <p:spPr>
-          <a:xfrm>
-            <a:off x="3325044" y="3350146"/>
-            <a:ext cx="6059650" cy="3412604"/>
-          </a:xfrm>
-          <a:prstGeom prst="rect">
-            <a:avLst/>
-          </a:prstGeom>
-        </p:spPr>
-      </p:pic>
-      <p:pic>
-        <p:nvPicPr>
-          <p:cNvPr id="26" name="圖片 25" descr="Video.png"/>
-          <p:cNvPicPr>
-            <a:picLocks noChangeAspect="1"/>
-          </p:cNvPicPr>
-          <p:nvPr/>
-        </p:nvPicPr>
-        <p:blipFill>
-          <a:blip r:embed="rId5" cstate="email"/>
-          <a:srcRect/>
-          <a:stretch>
-            <a:fillRect/>
-          </a:stretch>
-        </p:blipFill>
-        <p:spPr>
-          <a:xfrm>
-            <a:off x="9823450" y="3350146"/>
-            <a:ext cx="1734582" cy="983729"/>
-          </a:xfrm>
-          <a:prstGeom prst="rect">
-            <a:avLst/>
-          </a:prstGeom>
-        </p:spPr>
-      </p:pic>
-      <p:pic>
-        <p:nvPicPr>
-          <p:cNvPr id="33" name="圖片 32" descr="Video.png"/>
-          <p:cNvPicPr>
-            <a:picLocks noChangeAspect="1"/>
-          </p:cNvPicPr>
-          <p:nvPr/>
-        </p:nvPicPr>
-        <p:blipFill>
-          <a:blip r:embed="rId5" cstate="email"/>
-          <a:srcRect/>
-          <a:stretch>
-            <a:fillRect/>
-          </a:stretch>
-        </p:blipFill>
-        <p:spPr>
-          <a:xfrm>
-            <a:off x="9823450" y="5942434"/>
-            <a:ext cx="1734582" cy="983729"/>
-          </a:xfrm>
-          <a:prstGeom prst="rect">
-            <a:avLst/>
-          </a:prstGeom>
-        </p:spPr>
-      </p:pic>
-      <p:pic>
-        <p:nvPicPr>
-          <p:cNvPr id="34" name="圖片 33" descr="Video.png"/>
-          <p:cNvPicPr>
-            <a:picLocks noChangeAspect="1"/>
-          </p:cNvPicPr>
-          <p:nvPr/>
-        </p:nvPicPr>
-        <p:blipFill>
-          <a:blip r:embed="rId6" cstate="email"/>
-          <a:srcRect/>
-          <a:stretch>
-            <a:fillRect/>
-          </a:stretch>
-        </p:blipFill>
-        <p:spPr>
-          <a:xfrm>
-            <a:off x="9829800" y="4646290"/>
-            <a:ext cx="1728232" cy="983729"/>
-          </a:xfrm>
-          <a:prstGeom prst="rect">
-            <a:avLst/>
-          </a:prstGeom>
-        </p:spPr>
-      </p:pic>
-      <p:sp>
-        <p:nvSpPr>
-          <p:cNvPr id="36" name="文字方塊 35"/>
-          <p:cNvSpPr txBox="1"/>
-          <p:nvPr/>
-        </p:nvSpPr>
-        <p:spPr>
-          <a:xfrm>
-            <a:off x="3315866" y="6806530"/>
-            <a:ext cx="6075784" cy="307777"/>
-          </a:xfrm>
-          <a:prstGeom prst="rect">
-            <a:avLst/>
-          </a:prstGeom>
-          <a:noFill/>
-        </p:spPr>
-        <p:txBody>
-          <a:bodyPr wrap="square" rtlCol="0">
-            <a:spAutoFit/>
-          </a:bodyPr>
-          <a:lstStyle/>
-          <a:p>
-            <a:r>
-              <a:rPr lang="en-US" altLang="zh-TW" sz="1400" dirty="0" smtClean="0">
+            <a:pPr algn="just">
+              <a:lnSpc>
+                <a:spcPts val="1400"/>
+              </a:lnSpc>
+            </a:pPr>
+            <a:r>
+              <a:rPr lang="en-US" altLang="zh-TW" sz="1200" spc="100" dirty="0" smtClean="0">
                 <a:solidFill>
                   <a:schemeClr val="bg1">
                     <a:lumMod val="75000"/>
                   </a:schemeClr>
                 </a:solidFill>
                 <a:latin typeface="Candara" pitchFamily="34" charset="0"/>
+                <a:ea typeface="Arial Unicode MS" pitchFamily="34" charset="-120"/>
+                <a:cs typeface="Arial Unicode MS" pitchFamily="34" charset="-120"/>
               </a:rPr>
-              <a:t>The Lord of the Rings: The Fellowship of the Ring Official Trailer #1 - (2001) HD</a:t>
-            </a:r>
-            <a:endParaRPr lang="zh-TW" altLang="en-US" sz="1400" dirty="0">
+              <a:t>The Dwarves are a race inhabiting Middle-earth. They are based on the dwarfs of Germanic myths: small humanoids that dwell in mountains, and are associated with mining, metal-craft and jewelry.</a:t>
+            </a:r>
+          </a:p>
+          <a:p>
+            <a:pPr algn="just">
+              <a:lnSpc>
+                <a:spcPts val="1400"/>
+              </a:lnSpc>
+            </a:pPr>
+            <a:endParaRPr lang="en-US" altLang="zh-TW" sz="1200" spc="100" dirty="0" smtClean="0">
               <a:solidFill>
                 <a:schemeClr val="bg1">
                   <a:lumMod val="75000"/>
                 </a:schemeClr>
               </a:solidFill>
               <a:latin typeface="Candara" pitchFamily="34" charset="0"/>
+              <a:ea typeface="Arial Unicode MS" pitchFamily="34" charset="-120"/>
+              <a:cs typeface="Arial Unicode MS" pitchFamily="34" charset="-120"/>
             </a:endParaRPr>
           </a:p>
-        </p:txBody>
-      </p:sp>
-      <p:sp>
-        <p:nvSpPr>
-          <p:cNvPr id="38" name="文字方塊 37"/>
+          <a:p>
+            <a:pPr algn="just">
+              <a:lnSpc>
+                <a:spcPts val="1400"/>
+              </a:lnSpc>
+            </a:pPr>
+            <a:r>
+              <a:rPr lang="en-US" altLang="zh-TW" sz="1200" spc="100" dirty="0" smtClean="0">
+                <a:solidFill>
+                  <a:schemeClr val="bg1">
+                    <a:lumMod val="75000"/>
+                  </a:schemeClr>
+                </a:solidFill>
+                <a:latin typeface="Candara" pitchFamily="34" charset="0"/>
+                <a:ea typeface="Arial Unicode MS" pitchFamily="34" charset="-120"/>
+                <a:cs typeface="Arial Unicode MS" pitchFamily="34" charset="-120"/>
+              </a:rPr>
+              <a:t>The Dwarves are described as shorter and stockier than Elves and Men, able to withstand both heat and cold. Though they are mortal, Dwarves have an average lifespan of 250 </a:t>
+            </a:r>
+            <a:r>
+              <a:rPr lang="en-US" altLang="zh-TW" sz="1200" spc="100" dirty="0" err="1" smtClean="0">
+                <a:solidFill>
+                  <a:schemeClr val="bg1">
+                    <a:lumMod val="75000"/>
+                  </a:schemeClr>
+                </a:solidFill>
+                <a:latin typeface="Candara" pitchFamily="34" charset="0"/>
+                <a:ea typeface="Arial Unicode MS" pitchFamily="34" charset="-120"/>
+                <a:cs typeface="Arial Unicode MS" pitchFamily="34" charset="-120"/>
+              </a:rPr>
+              <a:t>years.They</a:t>
+            </a:r>
+            <a:r>
+              <a:rPr lang="en-US" altLang="zh-TW" sz="1200" spc="100" dirty="0" smtClean="0">
+                <a:solidFill>
+                  <a:schemeClr val="bg1">
+                    <a:lumMod val="75000"/>
+                  </a:schemeClr>
+                </a:solidFill>
+                <a:latin typeface="Candara" pitchFamily="34" charset="0"/>
+                <a:ea typeface="Arial Unicode MS" pitchFamily="34" charset="-120"/>
+                <a:cs typeface="Arial Unicode MS" pitchFamily="34" charset="-120"/>
+              </a:rPr>
+              <a:t> breed slowly, for no more than a third of them are female, and not all marry; also, female Dwarves look and sound (and dress, if journeying—which is rare) so alike to Dwarf-males that other folk cannot distinguish them, and thus others wrongly believe Dwarves grow out of </a:t>
+            </a:r>
+            <a:r>
+              <a:rPr lang="en-US" altLang="zh-TW" sz="1200" spc="100" dirty="0" err="1" smtClean="0">
+                <a:solidFill>
+                  <a:schemeClr val="bg1">
+                    <a:lumMod val="75000"/>
+                  </a:schemeClr>
+                </a:solidFill>
+                <a:latin typeface="Candara" pitchFamily="34" charset="0"/>
+                <a:ea typeface="Arial Unicode MS" pitchFamily="34" charset="-120"/>
+                <a:cs typeface="Arial Unicode MS" pitchFamily="34" charset="-120"/>
+              </a:rPr>
+              <a:t>stone.Dwarves</a:t>
+            </a:r>
+            <a:r>
+              <a:rPr lang="en-US" altLang="zh-TW" sz="1200" spc="100" dirty="0" smtClean="0">
+                <a:solidFill>
+                  <a:schemeClr val="bg1">
+                    <a:lumMod val="75000"/>
+                  </a:schemeClr>
+                </a:solidFill>
+                <a:latin typeface="Candara" pitchFamily="34" charset="0"/>
+                <a:ea typeface="Arial Unicode MS" pitchFamily="34" charset="-120"/>
+                <a:cs typeface="Arial Unicode MS" pitchFamily="34" charset="-120"/>
+              </a:rPr>
+              <a:t> are great metalworkers, smiths and stoneworkers. </a:t>
+            </a:r>
+          </a:p>
+        </p:txBody>
+      </p:sp>
+      <p:sp>
+        <p:nvSpPr>
+          <p:cNvPr id="40" name="文字方塊 39"/>
           <p:cNvSpPr txBox="1"/>
           <p:nvPr/>
         </p:nvSpPr>
         <p:spPr>
           <a:xfrm>
-            <a:off x="9733756" y="4286250"/>
-            <a:ext cx="1872208" cy="338554"/>
+            <a:off x="8725644" y="2734012"/>
+            <a:ext cx="3888432" cy="400110"/>
           </a:xfrm>
           <a:prstGeom prst="rect">
             <a:avLst/>
@@ -7974,192 +9386,19 @@
           </a:bodyPr>
           <a:lstStyle/>
           <a:p>
-            <a:pPr algn="just"/>
-            <a:r>
-              <a:rPr lang="en-US" altLang="zh-TW" sz="800" spc="-50" dirty="0" smtClean="0">
+            <a:pPr algn="ctr"/>
+            <a:r>
+              <a:rPr lang="en-US" altLang="zh-TW" sz="2000" dirty="0" smtClean="0">
                 <a:solidFill>
                   <a:schemeClr val="bg1">
                     <a:lumMod val="75000"/>
                   </a:schemeClr>
                 </a:solidFill>
-                <a:latin typeface="Candara" pitchFamily="34" charset="0"/>
-              </a:rPr>
-              <a:t>The Lord of the Rings: The Fellowship of the Ring Official Trailer #1 - (2001) HD</a:t>
-            </a:r>
-            <a:endParaRPr lang="zh-TW" altLang="en-US" sz="800" spc="-50" dirty="0">
-              <a:solidFill>
-                <a:schemeClr val="bg1">
-                  <a:lumMod val="75000"/>
-                </a:schemeClr>
-              </a:solidFill>
-              <a:latin typeface="Candara" pitchFamily="34" charset="0"/>
-            </a:endParaRPr>
-          </a:p>
-        </p:txBody>
-      </p:sp>
-      <p:sp>
-        <p:nvSpPr>
-          <p:cNvPr id="39" name="文字方塊 38"/>
-          <p:cNvSpPr txBox="1"/>
-          <p:nvPr/>
-        </p:nvSpPr>
-        <p:spPr>
-          <a:xfrm>
-            <a:off x="9733756" y="5582394"/>
-            <a:ext cx="1872208" cy="338554"/>
-          </a:xfrm>
-          <a:prstGeom prst="rect">
-            <a:avLst/>
-          </a:prstGeom>
-          <a:noFill/>
-        </p:spPr>
-        <p:txBody>
-          <a:bodyPr wrap="square" rtlCol="0">
-            <a:spAutoFit/>
-          </a:bodyPr>
-          <a:lstStyle/>
-          <a:p>
-            <a:pPr algn="just"/>
-            <a:r>
-              <a:rPr lang="en-US" altLang="zh-TW" sz="800" spc="-50" dirty="0" smtClean="0">
-                <a:solidFill>
-                  <a:schemeClr val="bg1">
-                    <a:lumMod val="75000"/>
-                  </a:schemeClr>
-                </a:solidFill>
-                <a:latin typeface="Candara" pitchFamily="34" charset="0"/>
-              </a:rPr>
-              <a:t>The Lord of the Rings: The Fellowship of the Ring Official Trailer #1 - (2001) HD</a:t>
-            </a:r>
-            <a:endParaRPr lang="zh-TW" altLang="en-US" sz="800" spc="-50" dirty="0">
-              <a:solidFill>
-                <a:schemeClr val="bg1">
-                  <a:lumMod val="75000"/>
-                </a:schemeClr>
-              </a:solidFill>
-              <a:latin typeface="Candara" pitchFamily="34" charset="0"/>
-            </a:endParaRPr>
-          </a:p>
-        </p:txBody>
-      </p:sp>
-      <p:sp>
-        <p:nvSpPr>
-          <p:cNvPr id="40" name="文字方塊 39"/>
-          <p:cNvSpPr txBox="1"/>
-          <p:nvPr/>
-        </p:nvSpPr>
-        <p:spPr>
-          <a:xfrm>
-            <a:off x="9733756" y="6878538"/>
-            <a:ext cx="1872208" cy="338554"/>
-          </a:xfrm>
-          <a:prstGeom prst="rect">
-            <a:avLst/>
-          </a:prstGeom>
-          <a:noFill/>
-        </p:spPr>
-        <p:txBody>
-          <a:bodyPr wrap="square" rtlCol="0">
-            <a:spAutoFit/>
-          </a:bodyPr>
-          <a:lstStyle/>
-          <a:p>
-            <a:pPr algn="just"/>
-            <a:r>
-              <a:rPr lang="en-US" altLang="zh-TW" sz="800" spc="-50" dirty="0" smtClean="0">
-                <a:solidFill>
-                  <a:schemeClr val="bg1">
-                    <a:lumMod val="75000"/>
-                  </a:schemeClr>
-                </a:solidFill>
-                <a:latin typeface="Candara" pitchFamily="34" charset="0"/>
-              </a:rPr>
-              <a:t>The Lord of the Rings: The Fellowship of the Ring Official Trailer #1 - (2001) HD</a:t>
-            </a:r>
-            <a:endParaRPr lang="zh-TW" altLang="en-US" sz="800" spc="-50" dirty="0">
-              <a:solidFill>
-                <a:schemeClr val="bg1">
-                  <a:lumMod val="75000"/>
-                </a:schemeClr>
-              </a:solidFill>
-              <a:latin typeface="Candara" pitchFamily="34" charset="0"/>
-            </a:endParaRPr>
-          </a:p>
-        </p:txBody>
-      </p:sp>
-      <p:cxnSp>
-        <p:nvCxnSpPr>
-          <p:cNvPr id="45" name="直線接點 44"/>
-          <p:cNvCxnSpPr/>
-          <p:nvPr/>
-        </p:nvCxnSpPr>
-        <p:spPr>
-          <a:xfrm>
-            <a:off x="2902124" y="3206130"/>
-            <a:ext cx="9073008" cy="0"/>
-          </a:xfrm>
-          <a:prstGeom prst="line">
-            <a:avLst/>
-          </a:prstGeom>
-          <a:ln w="6350">
-            <a:solidFill>
-              <a:schemeClr val="bg1">
-                <a:lumMod val="65000"/>
-              </a:schemeClr>
-            </a:solidFill>
-            <a:headEnd type="triangle"/>
-            <a:tailEnd type="triangle"/>
-          </a:ln>
-        </p:spPr>
-        <p:style>
-          <a:lnRef idx="1">
-            <a:schemeClr val="accent1"/>
-          </a:lnRef>
-          <a:fillRef idx="0">
-            <a:schemeClr val="accent1"/>
-          </a:fillRef>
-          <a:effectRef idx="0">
-            <a:schemeClr val="accent1"/>
-          </a:effectRef>
-          <a:fontRef idx="minor">
-            <a:schemeClr val="tx1"/>
-          </a:fontRef>
-        </p:style>
-      </p:cxnSp>
-      <p:sp>
-        <p:nvSpPr>
-          <p:cNvPr id="46" name="文字方塊 45"/>
-          <p:cNvSpPr txBox="1"/>
-          <p:nvPr/>
-        </p:nvSpPr>
-        <p:spPr>
-          <a:xfrm>
-            <a:off x="2988197" y="2795568"/>
-            <a:ext cx="2929135" cy="338554"/>
-          </a:xfrm>
-          <a:prstGeom prst="rect">
-            <a:avLst/>
-          </a:prstGeom>
-          <a:noFill/>
-        </p:spPr>
-        <p:txBody>
-          <a:bodyPr wrap="none" rtlCol="0">
-            <a:spAutoFit/>
-          </a:bodyPr>
-          <a:lstStyle/>
-          <a:p>
-            <a:r>
-              <a:rPr lang="en-US" altLang="ja-JP" sz="1600" dirty="0" smtClean="0">
-                <a:solidFill>
-                  <a:schemeClr val="bg1">
-                    <a:lumMod val="75000"/>
-                  </a:schemeClr>
-                </a:solidFill>
                 <a:latin typeface="Ringbearer" pitchFamily="18" charset="0"/>
               </a:rPr>
-              <a:t>The Fellowship Of The Ring</a:t>
-            </a:r>
-            <a:endParaRPr lang="zh-TW" altLang="en-US" sz="1600" dirty="0">
+              <a:t>Dwarves</a:t>
+            </a:r>
+            <a:endParaRPr lang="zh-TW" altLang="en-US" sz="2000" dirty="0">
               <a:solidFill>
                 <a:schemeClr val="bg1">
                   <a:lumMod val="75000"/>
@@ -8170,135 +9409,424 @@
           </a:p>
         </p:txBody>
       </p:sp>
-      <p:sp>
-        <p:nvSpPr>
-          <p:cNvPr id="47" name="文字方塊 46"/>
-          <p:cNvSpPr txBox="1"/>
-          <p:nvPr/>
-        </p:nvSpPr>
-        <p:spPr>
-          <a:xfrm>
-            <a:off x="5934310" y="2795568"/>
-            <a:ext cx="1759712" cy="338554"/>
-          </a:xfrm>
-          <a:prstGeom prst="rect">
-            <a:avLst/>
-          </a:prstGeom>
-          <a:noFill/>
-        </p:spPr>
-        <p:txBody>
-          <a:bodyPr wrap="none" rtlCol="0">
-            <a:spAutoFit/>
-          </a:bodyPr>
-          <a:lstStyle/>
-          <a:p>
-            <a:r>
-              <a:rPr lang="en-US" altLang="ja-JP" sz="1600" dirty="0" smtClean="0">
-                <a:solidFill>
-                  <a:schemeClr val="bg1">
-                    <a:lumMod val="75000"/>
-                  </a:schemeClr>
-                </a:solidFill>
-                <a:latin typeface="Ringbearer" pitchFamily="18" charset="0"/>
-              </a:rPr>
-              <a:t>The Two Towers</a:t>
-            </a:r>
-            <a:endParaRPr lang="zh-TW" altLang="en-US" sz="1600" dirty="0">
-              <a:solidFill>
-                <a:schemeClr val="bg1">
-                  <a:lumMod val="75000"/>
-                </a:schemeClr>
-              </a:solidFill>
-              <a:latin typeface="Ringbearer" pitchFamily="18" charset="0"/>
-            </a:endParaRPr>
-          </a:p>
-        </p:txBody>
-      </p:sp>
-      <p:sp>
-        <p:nvSpPr>
-          <p:cNvPr id="48" name="文字方塊 47"/>
-          <p:cNvSpPr txBox="1"/>
-          <p:nvPr/>
-        </p:nvSpPr>
-        <p:spPr>
-          <a:xfrm>
-            <a:off x="7711000" y="2795568"/>
-            <a:ext cx="2539093" cy="338554"/>
-          </a:xfrm>
-          <a:prstGeom prst="rect">
-            <a:avLst/>
-          </a:prstGeom>
-          <a:noFill/>
-        </p:spPr>
-        <p:txBody>
-          <a:bodyPr wrap="none" rtlCol="0">
-            <a:spAutoFit/>
-          </a:bodyPr>
-          <a:lstStyle/>
-          <a:p>
-            <a:r>
-              <a:rPr lang="en-US" altLang="ja-JP" sz="1600" dirty="0" smtClean="0">
-                <a:solidFill>
-                  <a:schemeClr val="bg1">
-                    <a:lumMod val="75000"/>
-                  </a:schemeClr>
-                </a:solidFill>
-                <a:latin typeface="Ringbearer" pitchFamily="18" charset="0"/>
-              </a:rPr>
-              <a:t>The Return Of The King</a:t>
-            </a:r>
-            <a:endParaRPr lang="zh-TW" altLang="en-US" sz="1600" dirty="0">
-              <a:solidFill>
-                <a:schemeClr val="bg1">
-                  <a:lumMod val="75000"/>
-                </a:schemeClr>
-              </a:solidFill>
-              <a:latin typeface="Ringbearer" pitchFamily="18" charset="0"/>
-            </a:endParaRPr>
-          </a:p>
-        </p:txBody>
-      </p:sp>
-      <p:sp>
-        <p:nvSpPr>
-          <p:cNvPr id="49" name="文字方塊 48"/>
-          <p:cNvSpPr txBox="1"/>
-          <p:nvPr/>
-        </p:nvSpPr>
-        <p:spPr>
-          <a:xfrm>
-            <a:off x="10267071" y="2795568"/>
-            <a:ext cx="1338893" cy="338554"/>
-          </a:xfrm>
-          <a:prstGeom prst="rect">
-            <a:avLst/>
-          </a:prstGeom>
-          <a:noFill/>
-        </p:spPr>
-        <p:txBody>
-          <a:bodyPr wrap="none" rtlCol="0">
-            <a:spAutoFit/>
-          </a:bodyPr>
-          <a:lstStyle/>
-          <a:p>
-            <a:r>
-              <a:rPr lang="en-US" altLang="ja-JP" sz="1600" dirty="0" smtClean="0">
-                <a:solidFill>
-                  <a:schemeClr val="bg1">
-                    <a:lumMod val="75000"/>
-                  </a:schemeClr>
-                </a:solidFill>
-                <a:latin typeface="Ringbearer" pitchFamily="18" charset="0"/>
-              </a:rPr>
-              <a:t>The Hobbits</a:t>
-            </a:r>
-            <a:endParaRPr lang="zh-TW" altLang="en-US" sz="1600" dirty="0">
-              <a:solidFill>
-                <a:schemeClr val="bg1">
-                  <a:lumMod val="75000"/>
-                </a:schemeClr>
-              </a:solidFill>
-              <a:latin typeface="Ringbearer" pitchFamily="18" charset="0"/>
-            </a:endParaRPr>
+      <p:cxnSp>
+        <p:nvCxnSpPr>
+          <p:cNvPr id="42" name="直線接點 41"/>
+          <p:cNvCxnSpPr/>
+          <p:nvPr/>
+        </p:nvCxnSpPr>
+        <p:spPr>
+          <a:xfrm>
+            <a:off x="8725644" y="3206130"/>
+            <a:ext cx="3888432" cy="0"/>
+          </a:xfrm>
+          <a:prstGeom prst="line">
+            <a:avLst/>
+          </a:prstGeom>
+          <a:ln>
+            <a:solidFill>
+              <a:schemeClr val="bg1">
+                <a:lumMod val="75000"/>
+              </a:schemeClr>
+            </a:solidFill>
+          </a:ln>
+        </p:spPr>
+        <p:style>
+          <a:lnRef idx="1">
+            <a:schemeClr val="accent1"/>
+          </a:lnRef>
+          <a:fillRef idx="0">
+            <a:schemeClr val="accent1"/>
+          </a:fillRef>
+          <a:effectRef idx="0">
+            <a:schemeClr val="accent1"/>
+          </a:effectRef>
+          <a:fontRef idx="minor">
+            <a:schemeClr val="tx1"/>
+          </a:fontRef>
+        </p:style>
+      </p:cxnSp>
+      <p:pic>
+        <p:nvPicPr>
+          <p:cNvPr id="58" name="圖片 57" descr="Dwarves_eye.png"/>
+          <p:cNvPicPr>
+            <a:picLocks noChangeAspect="1"/>
+          </p:cNvPicPr>
+          <p:nvPr/>
+        </p:nvPicPr>
+        <p:blipFill>
+          <a:blip r:embed="rId6" cstate="print"/>
+          <a:stretch>
+            <a:fillRect/>
+          </a:stretch>
+        </p:blipFill>
+        <p:spPr>
+          <a:xfrm>
+            <a:off x="2235242" y="2696800"/>
+            <a:ext cx="2832058" cy="743519"/>
+          </a:xfrm>
+          <a:prstGeom prst="rect">
+            <a:avLst/>
+          </a:prstGeom>
+        </p:spPr>
+      </p:pic>
+      <p:pic>
+        <p:nvPicPr>
+          <p:cNvPr id="59" name="圖片 58" descr="Dwarves_eye.png"/>
+          <p:cNvPicPr>
+            <a:picLocks noChangeAspect="1"/>
+          </p:cNvPicPr>
+          <p:nvPr/>
+        </p:nvPicPr>
+        <p:blipFill>
+          <a:blip r:embed="rId7" cstate="email"/>
+          <a:stretch>
+            <a:fillRect/>
+          </a:stretch>
+        </p:blipFill>
+        <p:spPr>
+          <a:xfrm>
+            <a:off x="2235242" y="3440153"/>
+            <a:ext cx="2832058" cy="743011"/>
+          </a:xfrm>
+          <a:prstGeom prst="rect">
+            <a:avLst/>
+          </a:prstGeom>
+        </p:spPr>
+      </p:pic>
+      <p:pic>
+        <p:nvPicPr>
+          <p:cNvPr id="60" name="圖片 59" descr="Dwarves_eye.png"/>
+          <p:cNvPicPr>
+            <a:picLocks noChangeAspect="1"/>
+          </p:cNvPicPr>
+          <p:nvPr/>
+        </p:nvPicPr>
+        <p:blipFill>
+          <a:blip r:embed="rId8" cstate="email"/>
+          <a:stretch>
+            <a:fillRect/>
+          </a:stretch>
+        </p:blipFill>
+        <p:spPr>
+          <a:xfrm>
+            <a:off x="2235242" y="4184879"/>
+            <a:ext cx="2832058" cy="739757"/>
+          </a:xfrm>
+          <a:prstGeom prst="rect">
+            <a:avLst/>
+          </a:prstGeom>
+        </p:spPr>
+      </p:pic>
+      <p:pic>
+        <p:nvPicPr>
+          <p:cNvPr id="61" name="圖片 60" descr="Dwarves_eye.png"/>
+          <p:cNvPicPr>
+            <a:picLocks noChangeAspect="1"/>
+          </p:cNvPicPr>
+          <p:nvPr/>
+        </p:nvPicPr>
+        <p:blipFill>
+          <a:blip r:embed="rId9" cstate="email"/>
+          <a:stretch>
+            <a:fillRect/>
+          </a:stretch>
+        </p:blipFill>
+        <p:spPr>
+          <a:xfrm>
+            <a:off x="2235242" y="4928458"/>
+            <a:ext cx="2832058" cy="738797"/>
+          </a:xfrm>
+          <a:prstGeom prst="rect">
+            <a:avLst/>
+          </a:prstGeom>
+        </p:spPr>
+      </p:pic>
+      <p:pic>
+        <p:nvPicPr>
+          <p:cNvPr id="62" name="圖片 61" descr="Dwarves_eye.png"/>
+          <p:cNvPicPr>
+            <a:picLocks noChangeAspect="1"/>
+          </p:cNvPicPr>
+          <p:nvPr/>
+        </p:nvPicPr>
+        <p:blipFill>
+          <a:blip r:embed="rId10" cstate="email"/>
+          <a:stretch>
+            <a:fillRect/>
+          </a:stretch>
+        </p:blipFill>
+        <p:spPr>
+          <a:xfrm>
+            <a:off x="2235242" y="5669070"/>
+            <a:ext cx="2816305" cy="743772"/>
+          </a:xfrm>
+          <a:prstGeom prst="rect">
+            <a:avLst/>
+          </a:prstGeom>
+        </p:spPr>
+      </p:pic>
+      <p:pic>
+        <p:nvPicPr>
+          <p:cNvPr id="63" name="圖片 62" descr="Dwarves_eye.png"/>
+          <p:cNvPicPr>
+            <a:picLocks noChangeAspect="1"/>
+          </p:cNvPicPr>
+          <p:nvPr/>
+        </p:nvPicPr>
+        <p:blipFill>
+          <a:blip r:embed="rId11" cstate="email"/>
+          <a:stretch>
+            <a:fillRect/>
+          </a:stretch>
+        </p:blipFill>
+        <p:spPr>
+          <a:xfrm>
+            <a:off x="2235242" y="6407254"/>
+            <a:ext cx="2832058" cy="737930"/>
+          </a:xfrm>
+          <a:prstGeom prst="rect">
+            <a:avLst/>
+          </a:prstGeom>
+        </p:spPr>
+      </p:pic>
+      <p:sp>
+        <p:nvSpPr>
+          <p:cNvPr id="72" name="矩形 71"/>
+          <p:cNvSpPr/>
+          <p:nvPr/>
+        </p:nvSpPr>
+        <p:spPr>
+          <a:xfrm>
+            <a:off x="2228850" y="3438326"/>
+            <a:ext cx="2838450" cy="742950"/>
+          </a:xfrm>
+          <a:prstGeom prst="rect">
+            <a:avLst/>
+          </a:prstGeom>
+          <a:solidFill>
+            <a:schemeClr val="tx1">
+              <a:alpha val="35000"/>
+            </a:schemeClr>
+          </a:solidFill>
+          <a:ln>
+            <a:noFill/>
+          </a:ln>
+        </p:spPr>
+        <p:style>
+          <a:lnRef idx="2">
+            <a:schemeClr val="accent1">
+              <a:shade val="50000"/>
+            </a:schemeClr>
+          </a:lnRef>
+          <a:fillRef idx="1">
+            <a:schemeClr val="accent1"/>
+          </a:fillRef>
+          <a:effectRef idx="0">
+            <a:schemeClr val="accent1"/>
+          </a:effectRef>
+          <a:fontRef idx="minor">
+            <a:schemeClr val="lt1"/>
+          </a:fontRef>
+        </p:style>
+        <p:txBody>
+          <a:bodyPr rtlCol="0" anchor="ctr"/>
+          <a:lstStyle/>
+          <a:p>
+            <a:pPr algn="ctr"/>
+            <a:endParaRPr lang="zh-TW" altLang="en-US"/>
+          </a:p>
+        </p:txBody>
+      </p:sp>
+      <p:sp>
+        <p:nvSpPr>
+          <p:cNvPr id="73" name="矩形 72"/>
+          <p:cNvSpPr/>
+          <p:nvPr/>
+        </p:nvSpPr>
+        <p:spPr>
+          <a:xfrm>
+            <a:off x="2228850" y="4181077"/>
+            <a:ext cx="2838450" cy="742950"/>
+          </a:xfrm>
+          <a:prstGeom prst="rect">
+            <a:avLst/>
+          </a:prstGeom>
+          <a:solidFill>
+            <a:schemeClr val="tx1">
+              <a:alpha val="35000"/>
+            </a:schemeClr>
+          </a:solidFill>
+          <a:ln>
+            <a:noFill/>
+          </a:ln>
+        </p:spPr>
+        <p:style>
+          <a:lnRef idx="2">
+            <a:schemeClr val="accent1">
+              <a:shade val="50000"/>
+            </a:schemeClr>
+          </a:lnRef>
+          <a:fillRef idx="1">
+            <a:schemeClr val="accent1"/>
+          </a:fillRef>
+          <a:effectRef idx="0">
+            <a:schemeClr val="accent1"/>
+          </a:effectRef>
+          <a:fontRef idx="minor">
+            <a:schemeClr val="lt1"/>
+          </a:fontRef>
+        </p:style>
+        <p:txBody>
+          <a:bodyPr rtlCol="0" anchor="ctr"/>
+          <a:lstStyle/>
+          <a:p>
+            <a:pPr algn="ctr"/>
+            <a:endParaRPr lang="zh-TW" altLang="en-US"/>
+          </a:p>
+        </p:txBody>
+      </p:sp>
+      <p:sp>
+        <p:nvSpPr>
+          <p:cNvPr id="74" name="矩形 73"/>
+          <p:cNvSpPr/>
+          <p:nvPr/>
+        </p:nvSpPr>
+        <p:spPr>
+          <a:xfrm>
+            <a:off x="2228850" y="4923828"/>
+            <a:ext cx="2838450" cy="742950"/>
+          </a:xfrm>
+          <a:prstGeom prst="rect">
+            <a:avLst/>
+          </a:prstGeom>
+          <a:solidFill>
+            <a:schemeClr val="tx1">
+              <a:alpha val="35000"/>
+            </a:schemeClr>
+          </a:solidFill>
+          <a:ln>
+            <a:noFill/>
+          </a:ln>
+        </p:spPr>
+        <p:style>
+          <a:lnRef idx="2">
+            <a:schemeClr val="accent1">
+              <a:shade val="50000"/>
+            </a:schemeClr>
+          </a:lnRef>
+          <a:fillRef idx="1">
+            <a:schemeClr val="accent1"/>
+          </a:fillRef>
+          <a:effectRef idx="0">
+            <a:schemeClr val="accent1"/>
+          </a:effectRef>
+          <a:fontRef idx="minor">
+            <a:schemeClr val="lt1"/>
+          </a:fontRef>
+        </p:style>
+        <p:txBody>
+          <a:bodyPr rtlCol="0" anchor="ctr"/>
+          <a:lstStyle/>
+          <a:p>
+            <a:pPr algn="ctr"/>
+            <a:endParaRPr lang="zh-TW" altLang="en-US"/>
+          </a:p>
+        </p:txBody>
+      </p:sp>
+      <p:sp>
+        <p:nvSpPr>
+          <p:cNvPr id="75" name="矩形 74"/>
+          <p:cNvSpPr/>
+          <p:nvPr/>
+        </p:nvSpPr>
+        <p:spPr>
+          <a:xfrm>
+            <a:off x="2228850" y="5666579"/>
+            <a:ext cx="2838450" cy="742950"/>
+          </a:xfrm>
+          <a:prstGeom prst="rect">
+            <a:avLst/>
+          </a:prstGeom>
+          <a:solidFill>
+            <a:schemeClr val="tx1">
+              <a:alpha val="35000"/>
+            </a:schemeClr>
+          </a:solidFill>
+          <a:ln>
+            <a:noFill/>
+          </a:ln>
+        </p:spPr>
+        <p:style>
+          <a:lnRef idx="2">
+            <a:schemeClr val="accent1">
+              <a:shade val="50000"/>
+            </a:schemeClr>
+          </a:lnRef>
+          <a:fillRef idx="1">
+            <a:schemeClr val="accent1"/>
+          </a:fillRef>
+          <a:effectRef idx="0">
+            <a:schemeClr val="accent1"/>
+          </a:effectRef>
+          <a:fontRef idx="minor">
+            <a:schemeClr val="lt1"/>
+          </a:fontRef>
+        </p:style>
+        <p:txBody>
+          <a:bodyPr rtlCol="0" anchor="ctr"/>
+          <a:lstStyle/>
+          <a:p>
+            <a:pPr algn="ctr"/>
+            <a:endParaRPr lang="zh-TW" altLang="en-US"/>
+          </a:p>
+        </p:txBody>
+      </p:sp>
+      <p:sp>
+        <p:nvSpPr>
+          <p:cNvPr id="76" name="矩形 75"/>
+          <p:cNvSpPr/>
+          <p:nvPr/>
+        </p:nvSpPr>
+        <p:spPr>
+          <a:xfrm>
+            <a:off x="2228850" y="6409332"/>
+            <a:ext cx="2838450" cy="742950"/>
+          </a:xfrm>
+          <a:prstGeom prst="rect">
+            <a:avLst/>
+          </a:prstGeom>
+          <a:solidFill>
+            <a:schemeClr val="tx1">
+              <a:alpha val="35000"/>
+            </a:schemeClr>
+          </a:solidFill>
+          <a:ln>
+            <a:noFill/>
+          </a:ln>
+        </p:spPr>
+        <p:style>
+          <a:lnRef idx="2">
+            <a:schemeClr val="accent1">
+              <a:shade val="50000"/>
+            </a:schemeClr>
+          </a:lnRef>
+          <a:fillRef idx="1">
+            <a:schemeClr val="accent1"/>
+          </a:fillRef>
+          <a:effectRef idx="0">
+            <a:schemeClr val="accent1"/>
+          </a:effectRef>
+          <a:fontRef idx="minor">
+            <a:schemeClr val="lt1"/>
+          </a:fontRef>
+        </p:style>
+        <p:txBody>
+          <a:bodyPr rtlCol="0" anchor="ctr"/>
+          <a:lstStyle/>
+          <a:p>
+            <a:pPr algn="ctr"/>
+            <a:endParaRPr lang="zh-TW" altLang="en-US"/>
           </a:p>
         </p:txBody>
       </p:sp>
@@ -8307,6 +9835,13 @@
   <p:clrMapOvr>
     <a:masterClrMapping/>
   </p:clrMapOvr>
+  <p:timing>
+    <p:tnLst>
+      <p:par>
+        <p:cTn id="1" dur="indefinite" restart="never" nodeType="tmRoot"/>
+      </p:par>
+    </p:tnLst>
+  </p:timing>
 </p:sld>
 </file>
 
@@ -8329,7 +9864,7 @@
       </p:grpSpPr>
       <p:pic>
         <p:nvPicPr>
-          <p:cNvPr id="26" name="圖片 25" descr="Author.png"/>
+          <p:cNvPr id="20" name="圖片 19" descr="Movie.png"/>
           <p:cNvPicPr>
             <a:picLocks noChangeAspect="1"/>
           </p:cNvPicPr>
@@ -8353,14 +9888,14 @@
       </p:pic>
       <p:sp>
         <p:nvSpPr>
-          <p:cNvPr id="37" name="矩形 36"/>
+          <p:cNvPr id="27" name="矩形 26"/>
           <p:cNvSpPr/>
           <p:nvPr/>
         </p:nvSpPr>
         <p:spPr>
           <a:xfrm>
-            <a:off x="1133856" y="2198018"/>
-            <a:ext cx="12594336" cy="5400600"/>
+            <a:off x="-12192" y="2198018"/>
+            <a:ext cx="14874240" cy="5437222"/>
           </a:xfrm>
           <a:prstGeom prst="rect">
             <a:avLst/>
@@ -8723,14 +10258,14 @@
       </p:sp>
       <p:sp>
         <p:nvSpPr>
-          <p:cNvPr id="27" name="文字方塊 26"/>
+          <p:cNvPr id="35" name="文字方塊 34"/>
           <p:cNvSpPr txBox="1"/>
           <p:nvPr/>
         </p:nvSpPr>
         <p:spPr>
           <a:xfrm>
-            <a:off x="6559296" y="2918098"/>
-            <a:ext cx="4986528" cy="400110"/>
+            <a:off x="1092796" y="1725900"/>
+            <a:ext cx="12684164" cy="400110"/>
           </a:xfrm>
           <a:prstGeom prst="rect">
             <a:avLst/>
@@ -8743,41 +10278,376 @@
           </a:bodyPr>
           <a:lstStyle/>
           <a:p>
-            <a:pPr algn="ctr"/>
+            <a:pPr algn="dist"/>
             <a:r>
               <a:rPr lang="en-US" altLang="zh-TW" sz="2000" dirty="0" smtClean="0">
+                <a:solidFill>
+                  <a:srgbClr val="977C09"/>
+                </a:solidFill>
+                <a:latin typeface="Ringbearer" pitchFamily="18" charset="0"/>
+              </a:rPr>
+              <a:t>Concept    World    Characters    Race    Movie    Author    Series    Influence    Reference</a:t>
+            </a:r>
+            <a:endParaRPr lang="zh-TW" altLang="en-US" sz="2000" dirty="0">
+              <a:solidFill>
+                <a:srgbClr val="977C09"/>
+              </a:solidFill>
+            </a:endParaRPr>
+          </a:p>
+        </p:txBody>
+      </p:sp>
+      <p:pic>
+        <p:nvPicPr>
+          <p:cNvPr id="24" name="圖片 23" descr="Video.png"/>
+          <p:cNvPicPr>
+            <a:picLocks noChangeAspect="1"/>
+          </p:cNvPicPr>
+          <p:nvPr/>
+        </p:nvPicPr>
+        <p:blipFill>
+          <a:blip r:embed="rId4" cstate="email"/>
+          <a:srcRect/>
+          <a:stretch>
+            <a:fillRect/>
+          </a:stretch>
+        </p:blipFill>
+        <p:spPr>
+          <a:xfrm>
+            <a:off x="3325044" y="3350146"/>
+            <a:ext cx="6059650" cy="3412604"/>
+          </a:xfrm>
+          <a:prstGeom prst="rect">
+            <a:avLst/>
+          </a:prstGeom>
+        </p:spPr>
+      </p:pic>
+      <p:pic>
+        <p:nvPicPr>
+          <p:cNvPr id="26" name="圖片 25" descr="Video.png"/>
+          <p:cNvPicPr>
+            <a:picLocks noChangeAspect="1"/>
+          </p:cNvPicPr>
+          <p:nvPr/>
+        </p:nvPicPr>
+        <p:blipFill>
+          <a:blip r:embed="rId5" cstate="email"/>
+          <a:srcRect/>
+          <a:stretch>
+            <a:fillRect/>
+          </a:stretch>
+        </p:blipFill>
+        <p:spPr>
+          <a:xfrm>
+            <a:off x="9823450" y="3350146"/>
+            <a:ext cx="1734582" cy="983729"/>
+          </a:xfrm>
+          <a:prstGeom prst="rect">
+            <a:avLst/>
+          </a:prstGeom>
+        </p:spPr>
+      </p:pic>
+      <p:pic>
+        <p:nvPicPr>
+          <p:cNvPr id="33" name="圖片 32" descr="Video.png"/>
+          <p:cNvPicPr>
+            <a:picLocks noChangeAspect="1"/>
+          </p:cNvPicPr>
+          <p:nvPr/>
+        </p:nvPicPr>
+        <p:blipFill>
+          <a:blip r:embed="rId5" cstate="email"/>
+          <a:srcRect/>
+          <a:stretch>
+            <a:fillRect/>
+          </a:stretch>
+        </p:blipFill>
+        <p:spPr>
+          <a:xfrm>
+            <a:off x="9823450" y="5942434"/>
+            <a:ext cx="1734582" cy="983729"/>
+          </a:xfrm>
+          <a:prstGeom prst="rect">
+            <a:avLst/>
+          </a:prstGeom>
+        </p:spPr>
+      </p:pic>
+      <p:pic>
+        <p:nvPicPr>
+          <p:cNvPr id="34" name="圖片 33" descr="Video.png"/>
+          <p:cNvPicPr>
+            <a:picLocks noChangeAspect="1"/>
+          </p:cNvPicPr>
+          <p:nvPr/>
+        </p:nvPicPr>
+        <p:blipFill>
+          <a:blip r:embed="rId6" cstate="email"/>
+          <a:srcRect/>
+          <a:stretch>
+            <a:fillRect/>
+          </a:stretch>
+        </p:blipFill>
+        <p:spPr>
+          <a:xfrm>
+            <a:off x="9829800" y="4646290"/>
+            <a:ext cx="1728232" cy="983729"/>
+          </a:xfrm>
+          <a:prstGeom prst="rect">
+            <a:avLst/>
+          </a:prstGeom>
+        </p:spPr>
+      </p:pic>
+      <p:sp>
+        <p:nvSpPr>
+          <p:cNvPr id="36" name="文字方塊 35"/>
+          <p:cNvSpPr txBox="1"/>
+          <p:nvPr/>
+        </p:nvSpPr>
+        <p:spPr>
+          <a:xfrm>
+            <a:off x="3315866" y="6806530"/>
+            <a:ext cx="6075784" cy="307777"/>
+          </a:xfrm>
+          <a:prstGeom prst="rect">
+            <a:avLst/>
+          </a:prstGeom>
+          <a:noFill/>
+        </p:spPr>
+        <p:txBody>
+          <a:bodyPr wrap="square" rtlCol="0">
+            <a:spAutoFit/>
+          </a:bodyPr>
+          <a:lstStyle/>
+          <a:p>
+            <a:r>
+              <a:rPr lang="en-US" altLang="zh-TW" sz="1400" dirty="0" smtClean="0">
                 <a:solidFill>
                   <a:schemeClr val="bg1">
                     <a:lumMod val="75000"/>
                   </a:schemeClr>
                 </a:solidFill>
+                <a:latin typeface="Candara" pitchFamily="34" charset="0"/>
+              </a:rPr>
+              <a:t>The Lord of the Rings: The Fellowship of the Ring Official Trailer #1 - (2001) HD</a:t>
+            </a:r>
+            <a:endParaRPr lang="zh-TW" altLang="en-US" sz="1400" dirty="0">
+              <a:solidFill>
+                <a:schemeClr val="bg1">
+                  <a:lumMod val="75000"/>
+                </a:schemeClr>
+              </a:solidFill>
+              <a:latin typeface="Candara" pitchFamily="34" charset="0"/>
+            </a:endParaRPr>
+          </a:p>
+        </p:txBody>
+      </p:sp>
+      <p:sp>
+        <p:nvSpPr>
+          <p:cNvPr id="38" name="文字方塊 37"/>
+          <p:cNvSpPr txBox="1"/>
+          <p:nvPr/>
+        </p:nvSpPr>
+        <p:spPr>
+          <a:xfrm>
+            <a:off x="9733756" y="4286250"/>
+            <a:ext cx="1872208" cy="338554"/>
+          </a:xfrm>
+          <a:prstGeom prst="rect">
+            <a:avLst/>
+          </a:prstGeom>
+          <a:noFill/>
+        </p:spPr>
+        <p:txBody>
+          <a:bodyPr wrap="square" rtlCol="0">
+            <a:spAutoFit/>
+          </a:bodyPr>
+          <a:lstStyle/>
+          <a:p>
+            <a:pPr algn="just"/>
+            <a:r>
+              <a:rPr lang="en-US" altLang="zh-TW" sz="800" spc="-50" dirty="0" smtClean="0">
+                <a:solidFill>
+                  <a:schemeClr val="bg1">
+                    <a:lumMod val="75000"/>
+                  </a:schemeClr>
+                </a:solidFill>
+                <a:latin typeface="Candara" pitchFamily="34" charset="0"/>
+              </a:rPr>
+              <a:t>The Lord of the Rings: The Fellowship of the Ring Official Trailer #1 - (2001) HD</a:t>
+            </a:r>
+            <a:endParaRPr lang="zh-TW" altLang="en-US" sz="800" spc="-50" dirty="0">
+              <a:solidFill>
+                <a:schemeClr val="bg1">
+                  <a:lumMod val="75000"/>
+                </a:schemeClr>
+              </a:solidFill>
+              <a:latin typeface="Candara" pitchFamily="34" charset="0"/>
+            </a:endParaRPr>
+          </a:p>
+        </p:txBody>
+      </p:sp>
+      <p:sp>
+        <p:nvSpPr>
+          <p:cNvPr id="39" name="文字方塊 38"/>
+          <p:cNvSpPr txBox="1"/>
+          <p:nvPr/>
+        </p:nvSpPr>
+        <p:spPr>
+          <a:xfrm>
+            <a:off x="9733756" y="5582394"/>
+            <a:ext cx="1872208" cy="338554"/>
+          </a:xfrm>
+          <a:prstGeom prst="rect">
+            <a:avLst/>
+          </a:prstGeom>
+          <a:noFill/>
+        </p:spPr>
+        <p:txBody>
+          <a:bodyPr wrap="square" rtlCol="0">
+            <a:spAutoFit/>
+          </a:bodyPr>
+          <a:lstStyle/>
+          <a:p>
+            <a:pPr algn="just"/>
+            <a:r>
+              <a:rPr lang="en-US" altLang="zh-TW" sz="800" spc="-50" dirty="0" smtClean="0">
+                <a:solidFill>
+                  <a:schemeClr val="bg1">
+                    <a:lumMod val="75000"/>
+                  </a:schemeClr>
+                </a:solidFill>
+                <a:latin typeface="Candara" pitchFamily="34" charset="0"/>
+              </a:rPr>
+              <a:t>The Lord of the Rings: The Fellowship of the Ring Official Trailer #1 - (2001) HD</a:t>
+            </a:r>
+            <a:endParaRPr lang="zh-TW" altLang="en-US" sz="800" spc="-50" dirty="0">
+              <a:solidFill>
+                <a:schemeClr val="bg1">
+                  <a:lumMod val="75000"/>
+                </a:schemeClr>
+              </a:solidFill>
+              <a:latin typeface="Candara" pitchFamily="34" charset="0"/>
+            </a:endParaRPr>
+          </a:p>
+        </p:txBody>
+      </p:sp>
+      <p:sp>
+        <p:nvSpPr>
+          <p:cNvPr id="40" name="文字方塊 39"/>
+          <p:cNvSpPr txBox="1"/>
+          <p:nvPr/>
+        </p:nvSpPr>
+        <p:spPr>
+          <a:xfrm>
+            <a:off x="9733756" y="6878538"/>
+            <a:ext cx="1872208" cy="338554"/>
+          </a:xfrm>
+          <a:prstGeom prst="rect">
+            <a:avLst/>
+          </a:prstGeom>
+          <a:noFill/>
+        </p:spPr>
+        <p:txBody>
+          <a:bodyPr wrap="square" rtlCol="0">
+            <a:spAutoFit/>
+          </a:bodyPr>
+          <a:lstStyle/>
+          <a:p>
+            <a:pPr algn="just"/>
+            <a:r>
+              <a:rPr lang="en-US" altLang="zh-TW" sz="800" spc="-50" dirty="0" smtClean="0">
+                <a:solidFill>
+                  <a:schemeClr val="bg1">
+                    <a:lumMod val="75000"/>
+                  </a:schemeClr>
+                </a:solidFill>
+                <a:latin typeface="Candara" pitchFamily="34" charset="0"/>
+              </a:rPr>
+              <a:t>The Lord of the Rings: The Fellowship of the Ring Official Trailer #1 - (2001) HD</a:t>
+            </a:r>
+            <a:endParaRPr lang="zh-TW" altLang="en-US" sz="800" spc="-50" dirty="0">
+              <a:solidFill>
+                <a:schemeClr val="bg1">
+                  <a:lumMod val="75000"/>
+                </a:schemeClr>
+              </a:solidFill>
+              <a:latin typeface="Candara" pitchFamily="34" charset="0"/>
+            </a:endParaRPr>
+          </a:p>
+        </p:txBody>
+      </p:sp>
+      <p:cxnSp>
+        <p:nvCxnSpPr>
+          <p:cNvPr id="45" name="直線接點 44"/>
+          <p:cNvCxnSpPr/>
+          <p:nvPr/>
+        </p:nvCxnSpPr>
+        <p:spPr>
+          <a:xfrm>
+            <a:off x="2902124" y="3206130"/>
+            <a:ext cx="9073008" cy="0"/>
+          </a:xfrm>
+          <a:prstGeom prst="line">
+            <a:avLst/>
+          </a:prstGeom>
+          <a:ln w="6350">
+            <a:solidFill>
+              <a:schemeClr val="bg1">
+                <a:lumMod val="65000"/>
+              </a:schemeClr>
+            </a:solidFill>
+            <a:headEnd type="triangle"/>
+            <a:tailEnd type="triangle"/>
+          </a:ln>
+        </p:spPr>
+        <p:style>
+          <a:lnRef idx="1">
+            <a:schemeClr val="accent1"/>
+          </a:lnRef>
+          <a:fillRef idx="0">
+            <a:schemeClr val="accent1"/>
+          </a:fillRef>
+          <a:effectRef idx="0">
+            <a:schemeClr val="accent1"/>
+          </a:effectRef>
+          <a:fontRef idx="minor">
+            <a:schemeClr val="tx1"/>
+          </a:fontRef>
+        </p:style>
+      </p:cxnSp>
+      <p:sp>
+        <p:nvSpPr>
+          <p:cNvPr id="46" name="文字方塊 45"/>
+          <p:cNvSpPr txBox="1"/>
+          <p:nvPr/>
+        </p:nvSpPr>
+        <p:spPr>
+          <a:xfrm>
+            <a:off x="2988197" y="2795568"/>
+            <a:ext cx="2929135" cy="338554"/>
+          </a:xfrm>
+          <a:prstGeom prst="rect">
+            <a:avLst/>
+          </a:prstGeom>
+          <a:noFill/>
+        </p:spPr>
+        <p:txBody>
+          <a:bodyPr wrap="none" rtlCol="0">
+            <a:spAutoFit/>
+          </a:bodyPr>
+          <a:lstStyle/>
+          <a:p>
+            <a:r>
+              <a:rPr lang="en-US" altLang="ja-JP" sz="1600" dirty="0" smtClean="0">
+                <a:solidFill>
+                  <a:schemeClr val="bg1">
+                    <a:lumMod val="75000"/>
+                  </a:schemeClr>
+                </a:solidFill>
                 <a:latin typeface="Ringbearer" pitchFamily="18" charset="0"/>
               </a:rPr>
-              <a:t>John Ronald </a:t>
-            </a:r>
-            <a:r>
-              <a:rPr lang="en-US" altLang="zh-TW" sz="2000" dirty="0" err="1" smtClean="0">
-                <a:solidFill>
-                  <a:schemeClr val="bg1">
-                    <a:lumMod val="75000"/>
-                  </a:schemeClr>
-                </a:solidFill>
-                <a:latin typeface="Ringbearer" pitchFamily="18" charset="0"/>
-              </a:rPr>
-              <a:t>Reuel</a:t>
-            </a:r>
-            <a:r>
-              <a:rPr lang="en-US" altLang="zh-TW" sz="2000" dirty="0" smtClean="0">
-                <a:solidFill>
-                  <a:schemeClr val="bg1">
-                    <a:lumMod val="75000"/>
-                  </a:schemeClr>
-                </a:solidFill>
-                <a:latin typeface="Ringbearer" pitchFamily="18" charset="0"/>
-              </a:rPr>
-              <a:t> Tolkien</a:t>
-            </a:r>
-            <a:endParaRPr lang="zh-TW" altLang="en-US" sz="2000" dirty="0">
+              <a:t>The Fellowship Of The Ring</a:t>
+            </a:r>
+            <a:endParaRPr lang="zh-TW" altLang="en-US" sz="1600" dirty="0">
               <a:solidFill>
                 <a:schemeClr val="bg1">
                   <a:lumMod val="75000"/>
@@ -8788,53 +10658,16 @@
           </a:p>
         </p:txBody>
       </p:sp>
-      <p:cxnSp>
-        <p:nvCxnSpPr>
-          <p:cNvPr id="28" name="直線接點 27"/>
-          <p:cNvCxnSpPr/>
-          <p:nvPr/>
-        </p:nvCxnSpPr>
-        <p:spPr>
-          <a:xfrm>
-            <a:off x="6820312" y="3390216"/>
-            <a:ext cx="4464496" cy="0"/>
-          </a:xfrm>
-          <a:prstGeom prst="line">
-            <a:avLst/>
-          </a:prstGeom>
-          <a:ln>
-            <a:solidFill>
-              <a:schemeClr val="bg1">
-                <a:lumMod val="75000"/>
-              </a:schemeClr>
-            </a:solidFill>
-          </a:ln>
-        </p:spPr>
-        <p:style>
-          <a:lnRef idx="1">
-            <a:schemeClr val="accent1"/>
-          </a:lnRef>
-          <a:fillRef idx="0">
-            <a:schemeClr val="accent1"/>
-          </a:fillRef>
-          <a:effectRef idx="0">
-            <a:schemeClr val="accent1"/>
-          </a:effectRef>
-          <a:fontRef idx="minor">
-            <a:schemeClr val="tx1"/>
-          </a:fontRef>
-        </p:style>
-      </p:cxnSp>
-      <p:sp>
-        <p:nvSpPr>
-          <p:cNvPr id="30" name="文字方塊 29"/>
+      <p:sp>
+        <p:nvSpPr>
+          <p:cNvPr id="47" name="文字方塊 46"/>
           <p:cNvSpPr txBox="1"/>
           <p:nvPr/>
         </p:nvSpPr>
         <p:spPr>
           <a:xfrm>
-            <a:off x="6781428" y="3552229"/>
-            <a:ext cx="4536504" cy="3293209"/>
+            <a:off x="5934310" y="2795568"/>
+            <a:ext cx="1759712" cy="338554"/>
           </a:xfrm>
           <a:prstGeom prst="rect">
             <a:avLst/>
@@ -8842,47 +10675,21 @@
           <a:noFill/>
         </p:spPr>
         <p:txBody>
-          <a:bodyPr wrap="square" rtlCol="0">
+          <a:bodyPr wrap="none" rtlCol="0">
             <a:spAutoFit/>
           </a:bodyPr>
           <a:lstStyle/>
           <a:p>
-            <a:pPr algn="dist"/>
-            <a:r>
-              <a:rPr lang="en-US" altLang="zh-TW" sz="1600" dirty="0" smtClean="0">
+            <a:r>
+              <a:rPr lang="en-US" altLang="ja-JP" sz="1600" dirty="0" smtClean="0">
                 <a:solidFill>
                   <a:schemeClr val="bg1">
                     <a:lumMod val="75000"/>
                   </a:schemeClr>
                 </a:solidFill>
-                <a:latin typeface="Candara" pitchFamily="34" charset="0"/>
+                <a:latin typeface="Ringbearer" pitchFamily="18" charset="0"/>
               </a:rPr>
-              <a:t>J.R.R. Tolkien is an internationally renowned fantasy writer. He is best known for authoring The Hobbit and the Lord of the Rings trilogy.</a:t>
-            </a:r>
-          </a:p>
-          <a:p>
-            <a:pPr algn="dist"/>
-            <a:endParaRPr lang="en-US" altLang="zh-TW" sz="1600" dirty="0" smtClean="0">
-              <a:solidFill>
-                <a:schemeClr val="bg1">
-                  <a:lumMod val="75000"/>
-                </a:schemeClr>
-              </a:solidFill>
-              <a:latin typeface="Candara" pitchFamily="34" charset="0"/>
-            </a:endParaRPr>
-          </a:p>
-          <a:p>
-            <a:pPr algn="just"/>
-            <a:r>
-              <a:rPr lang="en-US" altLang="zh-TW" sz="1600" dirty="0" smtClean="0">
-                <a:solidFill>
-                  <a:schemeClr val="bg1">
-                    <a:lumMod val="75000"/>
-                  </a:schemeClr>
-                </a:solidFill>
-                <a:latin typeface="Candara" pitchFamily="34" charset="0"/>
-              </a:rPr>
-              <a:t>Born on January 3, 1892, in Bloemfontein, South Africa, J.R.R. Tolkien settled in England as a child, going on to study at Exeter College. While teaching at Oxford University, he published the popular fantasy novels The Hobbit and the Lord of the Rings trilogy. The works have had a devoted international fan base and been adapted into award-winning blockbuster films. Tolkien died in 1973 at 81.</a:t>
+              <a:t>The Two Towers</a:t>
             </a:r>
             <a:endParaRPr lang="zh-TW" altLang="en-US" sz="1600" dirty="0">
               <a:solidFill>
@@ -8890,45 +10697,21 @@
                   <a:lumMod val="75000"/>
                 </a:schemeClr>
               </a:solidFill>
-              <a:latin typeface="Candara" pitchFamily="34" charset="0"/>
+              <a:latin typeface="Ringbearer" pitchFamily="18" charset="0"/>
             </a:endParaRPr>
           </a:p>
         </p:txBody>
       </p:sp>
-      <p:pic>
-        <p:nvPicPr>
-          <p:cNvPr id="31" name="圖片 30" descr="4b92006edac3408fd4764d0da35e1b36.jpg"/>
-          <p:cNvPicPr>
-            <a:picLocks noChangeAspect="1"/>
-          </p:cNvPicPr>
-          <p:nvPr/>
-        </p:nvPicPr>
-        <p:blipFill>
-          <a:blip r:embed="rId4" cstate="email"/>
-          <a:stretch>
-            <a:fillRect/>
-          </a:stretch>
-        </p:blipFill>
-        <p:spPr>
-          <a:xfrm>
-            <a:off x="3309661" y="2755392"/>
-            <a:ext cx="2823385" cy="4267162"/>
-          </a:xfrm>
-          <a:prstGeom prst="rect">
-            <a:avLst/>
-          </a:prstGeom>
-        </p:spPr>
-      </p:pic>
-      <p:sp>
-        <p:nvSpPr>
-          <p:cNvPr id="41" name="文字方塊 40"/>
+      <p:sp>
+        <p:nvSpPr>
+          <p:cNvPr id="48" name="文字方塊 47"/>
           <p:cNvSpPr txBox="1"/>
           <p:nvPr/>
         </p:nvSpPr>
         <p:spPr>
           <a:xfrm>
-            <a:off x="1092796" y="1725900"/>
-            <a:ext cx="12684164" cy="400110"/>
+            <a:off x="7711000" y="2795568"/>
+            <a:ext cx="2539093" cy="338554"/>
           </a:xfrm>
           <a:prstGeom prst="rect">
             <a:avLst/>
@@ -8936,25 +10719,73 @@
           <a:noFill/>
         </p:spPr>
         <p:txBody>
-          <a:bodyPr wrap="square" rtlCol="0">
+          <a:bodyPr wrap="none" rtlCol="0">
             <a:spAutoFit/>
           </a:bodyPr>
           <a:lstStyle/>
           <a:p>
-            <a:pPr algn="dist"/>
-            <a:r>
-              <a:rPr lang="en-US" altLang="zh-TW" sz="2000" dirty="0" smtClean="0">
-                <a:solidFill>
-                  <a:srgbClr val="977C09"/>
+            <a:r>
+              <a:rPr lang="en-US" altLang="ja-JP" sz="1600" dirty="0" smtClean="0">
+                <a:solidFill>
+                  <a:schemeClr val="bg1">
+                    <a:lumMod val="75000"/>
+                  </a:schemeClr>
                 </a:solidFill>
                 <a:latin typeface="Ringbearer" pitchFamily="18" charset="0"/>
               </a:rPr>
-              <a:t>Concept    World    Characters    Race    Movie    Author    Series    Influence    Reference</a:t>
-            </a:r>
-            <a:endParaRPr lang="zh-TW" altLang="en-US" sz="2000" dirty="0">
+              <a:t>The Return Of The King</a:t>
+            </a:r>
+            <a:endParaRPr lang="zh-TW" altLang="en-US" sz="1600" dirty="0">
               <a:solidFill>
-                <a:srgbClr val="977C09"/>
+                <a:schemeClr val="bg1">
+                  <a:lumMod val="75000"/>
+                </a:schemeClr>
               </a:solidFill>
+              <a:latin typeface="Ringbearer" pitchFamily="18" charset="0"/>
+            </a:endParaRPr>
+          </a:p>
+        </p:txBody>
+      </p:sp>
+      <p:sp>
+        <p:nvSpPr>
+          <p:cNvPr id="49" name="文字方塊 48"/>
+          <p:cNvSpPr txBox="1"/>
+          <p:nvPr/>
+        </p:nvSpPr>
+        <p:spPr>
+          <a:xfrm>
+            <a:off x="10267071" y="2795568"/>
+            <a:ext cx="1338893" cy="338554"/>
+          </a:xfrm>
+          <a:prstGeom prst="rect">
+            <a:avLst/>
+          </a:prstGeom>
+          <a:noFill/>
+        </p:spPr>
+        <p:txBody>
+          <a:bodyPr wrap="none" rtlCol="0">
+            <a:spAutoFit/>
+          </a:bodyPr>
+          <a:lstStyle/>
+          <a:p>
+            <a:r>
+              <a:rPr lang="en-US" altLang="ja-JP" sz="1600" dirty="0" smtClean="0">
+                <a:solidFill>
+                  <a:schemeClr val="bg1">
+                    <a:lumMod val="75000"/>
+                  </a:schemeClr>
+                </a:solidFill>
+                <a:latin typeface="Ringbearer" pitchFamily="18" charset="0"/>
+              </a:rPr>
+              <a:t>The Hobbits</a:t>
+            </a:r>
+            <a:endParaRPr lang="zh-TW" altLang="en-US" sz="1600" dirty="0">
+              <a:solidFill>
+                <a:schemeClr val="bg1">
+                  <a:lumMod val="75000"/>
+                </a:schemeClr>
+              </a:solidFill>
+              <a:latin typeface="Ringbearer" pitchFamily="18" charset="0"/>
             </a:endParaRPr>
           </a:p>
         </p:txBody>
@@ -8964,6 +10795,13 @@
   <p:clrMapOvr>
     <a:masterClrMapping/>
   </p:clrMapOvr>
+  <p:timing>
+    <p:tnLst>
+      <p:par>
+        <p:cTn id="1" dur="indefinite" restart="never" nodeType="tmRoot"/>
+      </p:par>
+    </p:tnLst>
+  </p:timing>
 </p:sld>
 </file>
 
@@ -8986,7 +10824,7 @@
       </p:grpSpPr>
       <p:pic>
         <p:nvPicPr>
-          <p:cNvPr id="17" name="圖片 16" descr="Series.png"/>
+          <p:cNvPr id="26" name="圖片 25" descr="Author.png"/>
           <p:cNvPicPr>
             <a:picLocks noChangeAspect="1"/>
           </p:cNvPicPr>
@@ -9010,14 +10848,14 @@
       </p:pic>
       <p:sp>
         <p:nvSpPr>
-          <p:cNvPr id="37" name="矩形 36"/>
+          <p:cNvPr id="17" name="矩形 16"/>
           <p:cNvSpPr/>
           <p:nvPr/>
         </p:nvSpPr>
         <p:spPr>
           <a:xfrm>
-            <a:off x="1133856" y="2198018"/>
-            <a:ext cx="12594336" cy="5400600"/>
+            <a:off x="-12192" y="2198018"/>
+            <a:ext cx="14874240" cy="5437222"/>
           </a:xfrm>
           <a:prstGeom prst="rect">
             <a:avLst/>
@@ -9334,46 +11172,6 @@
       </p:cxnSp>
       <p:sp>
         <p:nvSpPr>
-          <p:cNvPr id="24" name="文字方塊 23"/>
-          <p:cNvSpPr txBox="1"/>
-          <p:nvPr/>
-        </p:nvSpPr>
-        <p:spPr>
-          <a:xfrm>
-            <a:off x="1092796" y="1725900"/>
-            <a:ext cx="12684164" cy="400110"/>
-          </a:xfrm>
-          <a:prstGeom prst="rect">
-            <a:avLst/>
-          </a:prstGeom>
-          <a:noFill/>
-        </p:spPr>
-        <p:txBody>
-          <a:bodyPr wrap="square" rtlCol="0">
-            <a:spAutoFit/>
-          </a:bodyPr>
-          <a:lstStyle/>
-          <a:p>
-            <a:pPr algn="dist"/>
-            <a:r>
-              <a:rPr lang="en-US" altLang="zh-TW" sz="2000" dirty="0" smtClean="0">
-                <a:solidFill>
-                  <a:srgbClr val="977C09"/>
-                </a:solidFill>
-                <a:latin typeface="Ringbearer" pitchFamily="18" charset="0"/>
-              </a:rPr>
-              <a:t>Concept    World    Characters    Race    Movie    Author    Series    Influence    Reference</a:t>
-            </a:r>
-            <a:endParaRPr lang="zh-TW" altLang="en-US" sz="2000" dirty="0">
-              <a:solidFill>
-                <a:srgbClr val="977C09"/>
-              </a:solidFill>
-            </a:endParaRPr>
-          </a:p>
-        </p:txBody>
-      </p:sp>
-      <p:sp>
-        <p:nvSpPr>
           <p:cNvPr id="25" name="文字方塊 24"/>
           <p:cNvSpPr txBox="1"/>
           <p:nvPr/>
@@ -9418,141 +11216,16 @@
           </a:p>
         </p:txBody>
       </p:sp>
-      <p:pic>
-        <p:nvPicPr>
-          <p:cNvPr id="1027" name="Picture 3" descr="C:\Users\Xenos\Desktop\Front-end Design\Midterm\The Lord of the rings\image\The Hobbits Title.png"/>
-          <p:cNvPicPr>
-            <a:picLocks noChangeAspect="1" noChangeArrowheads="1"/>
-          </p:cNvPicPr>
-          <p:nvPr/>
-        </p:nvPicPr>
-        <p:blipFill>
-          <a:blip r:embed="rId4" cstate="email"/>
-          <a:stretch>
-            <a:fillRect/>
-          </a:stretch>
-        </p:blipFill>
-        <p:spPr bwMode="auto">
-          <a:xfrm>
-            <a:off x="2229995" y="2708166"/>
-            <a:ext cx="2822929" cy="1091782"/>
-          </a:xfrm>
-          <a:prstGeom prst="rect">
-            <a:avLst/>
-          </a:prstGeom>
-          <a:noFill/>
-        </p:spPr>
-      </p:pic>
-      <p:pic>
-        <p:nvPicPr>
-          <p:cNvPr id="33" name="Picture 3" descr="C:\Users\Xenos\Desktop\Front-end Design\Midterm\The Lord of the rings\image\The Hobbits Title.png"/>
-          <p:cNvPicPr>
-            <a:picLocks noChangeAspect="1" noChangeArrowheads="1"/>
-          </p:cNvPicPr>
-          <p:nvPr/>
-        </p:nvPicPr>
-        <p:blipFill>
-          <a:blip r:embed="rId5" cstate="email"/>
-          <a:srcRect/>
-          <a:stretch>
-            <a:fillRect/>
-          </a:stretch>
-        </p:blipFill>
-        <p:spPr bwMode="auto">
-          <a:xfrm>
-            <a:off x="2229684" y="6060926"/>
-            <a:ext cx="2823552" cy="1091782"/>
-          </a:xfrm>
-          <a:prstGeom prst="rect">
-            <a:avLst/>
-          </a:prstGeom>
-          <a:noFill/>
-        </p:spPr>
-      </p:pic>
-      <p:pic>
-        <p:nvPicPr>
-          <p:cNvPr id="34" name="Picture 3" descr="C:\Users\Xenos\Desktop\Front-end Design\Midterm\The Lord of the rings\image\The Hobbits Title.png"/>
-          <p:cNvPicPr>
-            <a:picLocks noChangeAspect="1" noChangeArrowheads="1"/>
-          </p:cNvPicPr>
-          <p:nvPr/>
-        </p:nvPicPr>
-        <p:blipFill>
-          <a:blip r:embed="rId6" cstate="email"/>
-          <a:stretch>
-            <a:fillRect/>
-          </a:stretch>
-        </p:blipFill>
-        <p:spPr bwMode="auto">
-          <a:xfrm>
-            <a:off x="2229995" y="3825753"/>
-            <a:ext cx="2822929" cy="1091782"/>
-          </a:xfrm>
-          <a:prstGeom prst="rect">
-            <a:avLst/>
-          </a:prstGeom>
-          <a:noFill/>
-        </p:spPr>
-      </p:pic>
-      <p:pic>
-        <p:nvPicPr>
-          <p:cNvPr id="35" name="Picture 3" descr="C:\Users\Xenos\Desktop\Front-end Design\Midterm\The Lord of the rings\image\The Hobbits Title.png"/>
-          <p:cNvPicPr>
-            <a:picLocks noChangeAspect="1" noChangeArrowheads="1"/>
-          </p:cNvPicPr>
-          <p:nvPr/>
-        </p:nvPicPr>
-        <p:blipFill>
-          <a:blip r:embed="rId6" cstate="email"/>
-          <a:stretch>
-            <a:fillRect/>
-          </a:stretch>
-        </p:blipFill>
-        <p:spPr bwMode="auto">
-          <a:xfrm>
-            <a:off x="2229995" y="4943340"/>
-            <a:ext cx="2822929" cy="1091782"/>
-          </a:xfrm>
-          <a:prstGeom prst="rect">
-            <a:avLst/>
-          </a:prstGeom>
-          <a:noFill/>
-        </p:spPr>
-      </p:pic>
-      <p:pic>
-        <p:nvPicPr>
-          <p:cNvPr id="36" name="圖片 35" descr="The Fellowship Of The Ring Cover.png"/>
-          <p:cNvPicPr>
-            <a:picLocks noChangeAspect="1"/>
-          </p:cNvPicPr>
-          <p:nvPr/>
-        </p:nvPicPr>
-        <p:blipFill>
-          <a:blip r:embed="rId7" cstate="email"/>
-          <a:stretch>
-            <a:fillRect/>
-          </a:stretch>
-        </p:blipFill>
-        <p:spPr>
-          <a:xfrm>
-            <a:off x="5485284" y="2706264"/>
-            <a:ext cx="2832801" cy="4450440"/>
-          </a:xfrm>
-          <a:prstGeom prst="rect">
-            <a:avLst/>
-          </a:prstGeom>
-        </p:spPr>
-      </p:pic>
-      <p:sp>
-        <p:nvSpPr>
-          <p:cNvPr id="39" name="文字方塊 38"/>
+      <p:sp>
+        <p:nvSpPr>
+          <p:cNvPr id="27" name="文字方塊 26"/>
           <p:cNvSpPr txBox="1"/>
           <p:nvPr/>
         </p:nvSpPr>
         <p:spPr>
           <a:xfrm>
-            <a:off x="8941668" y="3358852"/>
-            <a:ext cx="3528392" cy="3503523"/>
+            <a:off x="6559296" y="2918098"/>
+            <a:ext cx="4986528" cy="400110"/>
           </a:xfrm>
           <a:prstGeom prst="rect">
             <a:avLst/>
@@ -9565,294 +11238,39 @@
           </a:bodyPr>
           <a:lstStyle/>
           <a:p>
-            <a:pPr algn="just">
-              <a:lnSpc>
-                <a:spcPts val="1400"/>
-              </a:lnSpc>
-            </a:pPr>
-            <a:r>
-              <a:rPr lang="en-US" altLang="zh-TW" sz="1200" spc="100" dirty="0" smtClean="0">
+            <a:pPr algn="ctr"/>
+            <a:r>
+              <a:rPr lang="en-US" altLang="zh-TW" sz="2000" dirty="0" smtClean="0">
                 <a:solidFill>
                   <a:schemeClr val="bg1">
                     <a:lumMod val="75000"/>
                   </a:schemeClr>
                 </a:solidFill>
-                <a:latin typeface="Candara" pitchFamily="34" charset="0"/>
-                <a:ea typeface="Arial Unicode MS" pitchFamily="34" charset="-120"/>
-                <a:cs typeface="Arial Unicode MS" pitchFamily="34" charset="-120"/>
+                <a:latin typeface="Ringbearer" pitchFamily="18" charset="0"/>
               </a:rPr>
-              <a:t>In the Second Age of Middle-earth, the Dark Lord </a:t>
-            </a:r>
-            <a:r>
-              <a:rPr lang="en-US" altLang="zh-TW" sz="1200" spc="100" dirty="0" err="1" smtClean="0">
+              <a:t>John Ronald </a:t>
+            </a:r>
+            <a:r>
+              <a:rPr lang="en-US" altLang="zh-TW" sz="2000" dirty="0" err="1" smtClean="0">
                 <a:solidFill>
                   <a:schemeClr val="bg1">
                     <a:lumMod val="75000"/>
                   </a:schemeClr>
                 </a:solidFill>
-                <a:latin typeface="Candara" pitchFamily="34" charset="0"/>
-                <a:ea typeface="Arial Unicode MS" pitchFamily="34" charset="-120"/>
-                <a:cs typeface="Arial Unicode MS" pitchFamily="34" charset="-120"/>
+                <a:latin typeface="Ringbearer" pitchFamily="18" charset="0"/>
               </a:rPr>
-              <a:t>Sauron</a:t>
-            </a:r>
-            <a:r>
-              <a:rPr lang="en-US" altLang="zh-TW" sz="1200" spc="100" dirty="0" smtClean="0">
+              <a:t>Reuel</a:t>
+            </a:r>
+            <a:r>
+              <a:rPr lang="en-US" altLang="zh-TW" sz="2000" dirty="0" smtClean="0">
                 <a:solidFill>
                   <a:schemeClr val="bg1">
                     <a:lumMod val="75000"/>
                   </a:schemeClr>
                 </a:solidFill>
-                <a:latin typeface="Candara" pitchFamily="34" charset="0"/>
-                <a:ea typeface="Arial Unicode MS" pitchFamily="34" charset="-120"/>
-                <a:cs typeface="Arial Unicode MS" pitchFamily="34" charset="-120"/>
-              </a:rPr>
-              <a:t> forges the One Ring in Mount Doom to conquer all, abandoning a great part of his power to it in order to dominate, through it, at a distance, the other Rings of Power, which had been granted to lords of Elves, Dwarves and Men. An army of men and elves battle </a:t>
-            </a:r>
-            <a:r>
-              <a:rPr lang="en-US" altLang="zh-TW" sz="1200" spc="100" dirty="0" err="1" smtClean="0">
-                <a:solidFill>
-                  <a:schemeClr val="bg1">
-                    <a:lumMod val="75000"/>
-                  </a:schemeClr>
-                </a:solidFill>
-                <a:latin typeface="Candara" pitchFamily="34" charset="0"/>
-                <a:ea typeface="Arial Unicode MS" pitchFamily="34" charset="-120"/>
-                <a:cs typeface="Arial Unicode MS" pitchFamily="34" charset="-120"/>
-              </a:rPr>
-              <a:t>Sauron’s</a:t>
-            </a:r>
-            <a:r>
-              <a:rPr lang="en-US" altLang="zh-TW" sz="1200" spc="100" dirty="0" smtClean="0">
-                <a:solidFill>
-                  <a:schemeClr val="bg1">
-                    <a:lumMod val="75000"/>
-                  </a:schemeClr>
-                </a:solidFill>
-                <a:latin typeface="Candara" pitchFamily="34" charset="0"/>
-                <a:ea typeface="Arial Unicode MS" pitchFamily="34" charset="-120"/>
-                <a:cs typeface="Arial Unicode MS" pitchFamily="34" charset="-120"/>
-              </a:rPr>
-              <a:t> forces in </a:t>
-            </a:r>
-            <a:r>
-              <a:rPr lang="en-US" altLang="zh-TW" sz="1200" spc="100" dirty="0" err="1" smtClean="0">
-                <a:solidFill>
-                  <a:schemeClr val="bg1">
-                    <a:lumMod val="75000"/>
-                  </a:schemeClr>
-                </a:solidFill>
-                <a:latin typeface="Candara" pitchFamily="34" charset="0"/>
-                <a:ea typeface="Arial Unicode MS" pitchFamily="34" charset="-120"/>
-                <a:cs typeface="Arial Unicode MS" pitchFamily="34" charset="-120"/>
-              </a:rPr>
-              <a:t>Mordor</a:t>
-            </a:r>
-            <a:r>
-              <a:rPr lang="en-US" altLang="zh-TW" sz="1200" spc="100" dirty="0" smtClean="0">
-                <a:solidFill>
-                  <a:schemeClr val="bg1">
-                    <a:lumMod val="75000"/>
-                  </a:schemeClr>
-                </a:solidFill>
-                <a:latin typeface="Candara" pitchFamily="34" charset="0"/>
-                <a:ea typeface="Arial Unicode MS" pitchFamily="34" charset="-120"/>
-                <a:cs typeface="Arial Unicode MS" pitchFamily="34" charset="-120"/>
-              </a:rPr>
-              <a:t>, where Prince </a:t>
-            </a:r>
-            <a:r>
-              <a:rPr lang="en-US" altLang="zh-TW" sz="1200" spc="100" dirty="0" err="1" smtClean="0">
-                <a:solidFill>
-                  <a:schemeClr val="bg1">
-                    <a:lumMod val="75000"/>
-                  </a:schemeClr>
-                </a:solidFill>
-                <a:latin typeface="Candara" pitchFamily="34" charset="0"/>
-                <a:ea typeface="Arial Unicode MS" pitchFamily="34" charset="-120"/>
-                <a:cs typeface="Arial Unicode MS" pitchFamily="34" charset="-120"/>
-              </a:rPr>
-              <a:t>Isildur</a:t>
-            </a:r>
-            <a:r>
-              <a:rPr lang="en-US" altLang="zh-TW" sz="1200" spc="100" dirty="0" smtClean="0">
-                <a:solidFill>
-                  <a:schemeClr val="bg1">
-                    <a:lumMod val="75000"/>
-                  </a:schemeClr>
-                </a:solidFill>
-                <a:latin typeface="Candara" pitchFamily="34" charset="0"/>
-                <a:ea typeface="Arial Unicode MS" pitchFamily="34" charset="-120"/>
-                <a:cs typeface="Arial Unicode MS" pitchFamily="34" charset="-120"/>
-              </a:rPr>
-              <a:t> of </a:t>
-            </a:r>
-            <a:r>
-              <a:rPr lang="en-US" altLang="zh-TW" sz="1200" spc="100" dirty="0" err="1" smtClean="0">
-                <a:solidFill>
-                  <a:schemeClr val="bg1">
-                    <a:lumMod val="75000"/>
-                  </a:schemeClr>
-                </a:solidFill>
-                <a:latin typeface="Candara" pitchFamily="34" charset="0"/>
-                <a:ea typeface="Arial Unicode MS" pitchFamily="34" charset="-120"/>
-                <a:cs typeface="Arial Unicode MS" pitchFamily="34" charset="-120"/>
-              </a:rPr>
-              <a:t>Gondor</a:t>
-            </a:r>
-            <a:r>
-              <a:rPr lang="en-US" altLang="zh-TW" sz="1200" spc="100" dirty="0" smtClean="0">
-                <a:solidFill>
-                  <a:schemeClr val="bg1">
-                    <a:lumMod val="75000"/>
-                  </a:schemeClr>
-                </a:solidFill>
-                <a:latin typeface="Candara" pitchFamily="34" charset="0"/>
-                <a:ea typeface="Arial Unicode MS" pitchFamily="34" charset="-120"/>
-                <a:cs typeface="Arial Unicode MS" pitchFamily="34" charset="-120"/>
-              </a:rPr>
-              <a:t> cuts the One Ring off of </a:t>
-            </a:r>
-            <a:r>
-              <a:rPr lang="en-US" altLang="zh-TW" sz="1200" spc="100" dirty="0" err="1" smtClean="0">
-                <a:solidFill>
-                  <a:schemeClr val="bg1">
-                    <a:lumMod val="75000"/>
-                  </a:schemeClr>
-                </a:solidFill>
-                <a:latin typeface="Candara" pitchFamily="34" charset="0"/>
-                <a:ea typeface="Arial Unicode MS" pitchFamily="34" charset="-120"/>
-                <a:cs typeface="Arial Unicode MS" pitchFamily="34" charset="-120"/>
-              </a:rPr>
-              <a:t>Sauron's</a:t>
-            </a:r>
-            <a:r>
-              <a:rPr lang="en-US" altLang="zh-TW" sz="1200" spc="100" dirty="0" smtClean="0">
-                <a:solidFill>
-                  <a:schemeClr val="bg1">
-                    <a:lumMod val="75000"/>
-                  </a:schemeClr>
-                </a:solidFill>
-                <a:latin typeface="Candara" pitchFamily="34" charset="0"/>
-                <a:ea typeface="Arial Unicode MS" pitchFamily="34" charset="-120"/>
-                <a:cs typeface="Arial Unicode MS" pitchFamily="34" charset="-120"/>
-              </a:rPr>
-              <a:t> finger, thereby temporarily destroying his physical shape, and decides to take care of the Ring himself, but the evil influence of the Ring corrupts </a:t>
-            </a:r>
-            <a:r>
-              <a:rPr lang="en-US" altLang="zh-TW" sz="1200" spc="100" dirty="0" err="1" smtClean="0">
-                <a:solidFill>
-                  <a:schemeClr val="bg1">
-                    <a:lumMod val="75000"/>
-                  </a:schemeClr>
-                </a:solidFill>
-                <a:latin typeface="Candara" pitchFamily="34" charset="0"/>
-                <a:ea typeface="Arial Unicode MS" pitchFamily="34" charset="-120"/>
-                <a:cs typeface="Arial Unicode MS" pitchFamily="34" charset="-120"/>
-              </a:rPr>
-              <a:t>Isildur</a:t>
-            </a:r>
-            <a:r>
-              <a:rPr lang="en-US" altLang="zh-TW" sz="1200" spc="100" dirty="0" smtClean="0">
-                <a:solidFill>
-                  <a:schemeClr val="bg1">
-                    <a:lumMod val="75000"/>
-                  </a:schemeClr>
-                </a:solidFill>
-                <a:latin typeface="Candara" pitchFamily="34" charset="0"/>
-                <a:ea typeface="Arial Unicode MS" pitchFamily="34" charset="-120"/>
-                <a:cs typeface="Arial Unicode MS" pitchFamily="34" charset="-120"/>
-              </a:rPr>
-              <a:t>, preventing him from destroying it in Mount Doom. </a:t>
-            </a:r>
-            <a:r>
-              <a:rPr lang="en-US" altLang="zh-TW" sz="1200" spc="100" dirty="0" err="1" smtClean="0">
-                <a:solidFill>
-                  <a:schemeClr val="bg1">
-                    <a:lumMod val="75000"/>
-                  </a:schemeClr>
-                </a:solidFill>
-                <a:latin typeface="Candara" pitchFamily="34" charset="0"/>
-                <a:ea typeface="Arial Unicode MS" pitchFamily="34" charset="-120"/>
-                <a:cs typeface="Arial Unicode MS" pitchFamily="34" charset="-120"/>
-              </a:rPr>
-              <a:t>Isildur</a:t>
-            </a:r>
-            <a:r>
-              <a:rPr lang="en-US" altLang="zh-TW" sz="1200" spc="100" dirty="0" smtClean="0">
-                <a:solidFill>
-                  <a:schemeClr val="bg1">
-                    <a:lumMod val="75000"/>
-                  </a:schemeClr>
-                </a:solidFill>
-                <a:latin typeface="Candara" pitchFamily="34" charset="0"/>
-                <a:ea typeface="Arial Unicode MS" pitchFamily="34" charset="-120"/>
-                <a:cs typeface="Arial Unicode MS" pitchFamily="34" charset="-120"/>
-              </a:rPr>
-              <a:t> is later killed by </a:t>
-            </a:r>
-            <a:r>
-              <a:rPr lang="en-US" altLang="zh-TW" sz="1200" spc="100" dirty="0" err="1" smtClean="0">
-                <a:solidFill>
-                  <a:schemeClr val="bg1">
-                    <a:lumMod val="75000"/>
-                  </a:schemeClr>
-                </a:solidFill>
-                <a:latin typeface="Candara" pitchFamily="34" charset="0"/>
-                <a:ea typeface="Arial Unicode MS" pitchFamily="34" charset="-120"/>
-                <a:cs typeface="Arial Unicode MS" pitchFamily="34" charset="-120"/>
-              </a:rPr>
-              <a:t>Orcs</a:t>
-            </a:r>
-            <a:r>
-              <a:rPr lang="en-US" altLang="zh-TW" sz="1200" spc="100" dirty="0" smtClean="0">
-                <a:solidFill>
-                  <a:schemeClr val="bg1">
-                    <a:lumMod val="75000"/>
-                  </a:schemeClr>
-                </a:solidFill>
-                <a:latin typeface="Candara" pitchFamily="34" charset="0"/>
-                <a:ea typeface="Arial Unicode MS" pitchFamily="34" charset="-120"/>
-                <a:cs typeface="Arial Unicode MS" pitchFamily="34" charset="-120"/>
-              </a:rPr>
-              <a:t>, and the Ring is lost for 2,500 years, found and owned by Gollum for five centuries. The Ring is then found by a Hobbit named Bilbo Baggins.</a:t>
-            </a:r>
-          </a:p>
-        </p:txBody>
-      </p:sp>
-      <p:sp>
-        <p:nvSpPr>
-          <p:cNvPr id="40" name="文字方塊 39"/>
-          <p:cNvSpPr txBox="1"/>
-          <p:nvPr/>
-        </p:nvSpPr>
-        <p:spPr>
-          <a:xfrm>
-            <a:off x="8725644" y="2734012"/>
-            <a:ext cx="3888432" cy="400110"/>
-          </a:xfrm>
-          <a:prstGeom prst="rect">
-            <a:avLst/>
-          </a:prstGeom>
-          <a:noFill/>
-        </p:spPr>
-        <p:txBody>
-          <a:bodyPr wrap="square" rtlCol="0">
-            <a:spAutoFit/>
-          </a:bodyPr>
-          <a:lstStyle/>
-          <a:p>
-            <a:pPr algn="ctr"/>
-            <a:r>
-              <a:rPr lang="en-US" altLang="zh-TW" sz="2000" dirty="0" smtClean="0">
-                <a:solidFill>
-                  <a:schemeClr val="bg1">
-                    <a:lumMod val="75000"/>
-                  </a:schemeClr>
-                </a:solidFill>
                 <a:latin typeface="Ringbearer" pitchFamily="18" charset="0"/>
               </a:rPr>
-              <a:t>The Fellowship Of The Ring</a:t>
+              <a:t> Tolkien</a:t>
             </a:r>
             <a:endParaRPr lang="zh-TW" altLang="en-US" sz="2000" dirty="0">
               <a:solidFill>
@@ -9867,14 +11285,14 @@
       </p:sp>
       <p:cxnSp>
         <p:nvCxnSpPr>
-          <p:cNvPr id="42" name="直線接點 41"/>
+          <p:cNvPr id="28" name="直線接點 27"/>
           <p:cNvCxnSpPr/>
           <p:nvPr/>
         </p:nvCxnSpPr>
         <p:spPr>
           <a:xfrm>
-            <a:off x="8725644" y="3206130"/>
-            <a:ext cx="3888432" cy="0"/>
+            <a:off x="6820312" y="3390216"/>
+            <a:ext cx="4464496" cy="0"/>
           </a:xfrm>
           <a:prstGeom prst="line">
             <a:avLst/>
@@ -9902,11 +11320,155 @@
           </a:fontRef>
         </p:style>
       </p:cxnSp>
+      <p:sp>
+        <p:nvSpPr>
+          <p:cNvPr id="30" name="文字方塊 29"/>
+          <p:cNvSpPr txBox="1"/>
+          <p:nvPr/>
+        </p:nvSpPr>
+        <p:spPr>
+          <a:xfrm>
+            <a:off x="6781428" y="3552229"/>
+            <a:ext cx="4536504" cy="3293209"/>
+          </a:xfrm>
+          <a:prstGeom prst="rect">
+            <a:avLst/>
+          </a:prstGeom>
+          <a:noFill/>
+        </p:spPr>
+        <p:txBody>
+          <a:bodyPr wrap="square" rtlCol="0">
+            <a:spAutoFit/>
+          </a:bodyPr>
+          <a:lstStyle/>
+          <a:p>
+            <a:pPr algn="dist"/>
+            <a:r>
+              <a:rPr lang="en-US" altLang="zh-TW" sz="1600" dirty="0" smtClean="0">
+                <a:solidFill>
+                  <a:schemeClr val="bg1">
+                    <a:lumMod val="75000"/>
+                  </a:schemeClr>
+                </a:solidFill>
+                <a:latin typeface="Candara" pitchFamily="34" charset="0"/>
+              </a:rPr>
+              <a:t>J.R.R. Tolkien is an internationally renowned fantasy writer. He is best known for authoring The Hobbit and the Lord of the Rings trilogy.</a:t>
+            </a:r>
+          </a:p>
+          <a:p>
+            <a:pPr algn="dist"/>
+            <a:endParaRPr lang="en-US" altLang="zh-TW" sz="1600" dirty="0" smtClean="0">
+              <a:solidFill>
+                <a:schemeClr val="bg1">
+                  <a:lumMod val="75000"/>
+                </a:schemeClr>
+              </a:solidFill>
+              <a:latin typeface="Candara" pitchFamily="34" charset="0"/>
+            </a:endParaRPr>
+          </a:p>
+          <a:p>
+            <a:pPr algn="just"/>
+            <a:r>
+              <a:rPr lang="en-US" altLang="zh-TW" sz="1600" dirty="0" smtClean="0">
+                <a:solidFill>
+                  <a:schemeClr val="bg1">
+                    <a:lumMod val="75000"/>
+                  </a:schemeClr>
+                </a:solidFill>
+                <a:latin typeface="Candara" pitchFamily="34" charset="0"/>
+              </a:rPr>
+              <a:t>Born on January 3, 1892, in Bloemfontein, South Africa, J.R.R. Tolkien settled in England as a child, going on to study at Exeter College. While teaching at Oxford University, he published the popular fantasy novels The Hobbit and the Lord of the Rings trilogy. The works have had a devoted international fan base and been adapted into award-winning blockbuster films. Tolkien died in 1973 at 81.</a:t>
+            </a:r>
+            <a:endParaRPr lang="zh-TW" altLang="en-US" sz="1600" dirty="0">
+              <a:solidFill>
+                <a:schemeClr val="bg1">
+                  <a:lumMod val="75000"/>
+                </a:schemeClr>
+              </a:solidFill>
+              <a:latin typeface="Candara" pitchFamily="34" charset="0"/>
+            </a:endParaRPr>
+          </a:p>
+        </p:txBody>
+      </p:sp>
+      <p:pic>
+        <p:nvPicPr>
+          <p:cNvPr id="31" name="圖片 30" descr="4b92006edac3408fd4764d0da35e1b36.jpg"/>
+          <p:cNvPicPr>
+            <a:picLocks noChangeAspect="1"/>
+          </p:cNvPicPr>
+          <p:nvPr/>
+        </p:nvPicPr>
+        <p:blipFill>
+          <a:blip r:embed="rId4" cstate="email"/>
+          <a:stretch>
+            <a:fillRect/>
+          </a:stretch>
+        </p:blipFill>
+        <p:spPr>
+          <a:xfrm>
+            <a:off x="3309661" y="2755392"/>
+            <a:ext cx="2823385" cy="4267162"/>
+          </a:xfrm>
+          <a:prstGeom prst="rect">
+            <a:avLst/>
+          </a:prstGeom>
+          <a:ln w="3175">
+            <a:noFill/>
+          </a:ln>
+        </p:spPr>
+      </p:pic>
+      <p:sp>
+        <p:nvSpPr>
+          <p:cNvPr id="41" name="文字方塊 40"/>
+          <p:cNvSpPr txBox="1"/>
+          <p:nvPr/>
+        </p:nvSpPr>
+        <p:spPr>
+          <a:xfrm>
+            <a:off x="1092796" y="1725900"/>
+            <a:ext cx="12684164" cy="400110"/>
+          </a:xfrm>
+          <a:prstGeom prst="rect">
+            <a:avLst/>
+          </a:prstGeom>
+          <a:noFill/>
+        </p:spPr>
+        <p:txBody>
+          <a:bodyPr wrap="square" rtlCol="0">
+            <a:spAutoFit/>
+          </a:bodyPr>
+          <a:lstStyle/>
+          <a:p>
+            <a:pPr algn="dist"/>
+            <a:r>
+              <a:rPr lang="en-US" altLang="zh-TW" sz="2000" dirty="0" smtClean="0">
+                <a:solidFill>
+                  <a:srgbClr val="977C09"/>
+                </a:solidFill>
+                <a:latin typeface="Ringbearer" pitchFamily="18" charset="0"/>
+              </a:rPr>
+              <a:t>Concept    World    Characters    Race    Movie    Author    Series    Influence    Reference</a:t>
+            </a:r>
+            <a:endParaRPr lang="zh-TW" altLang="en-US" sz="2000" dirty="0">
+              <a:solidFill>
+                <a:srgbClr val="977C09"/>
+              </a:solidFill>
+            </a:endParaRPr>
+          </a:p>
+        </p:txBody>
+      </p:sp>
     </p:spTree>
   </p:cSld>
   <p:clrMapOvr>
     <a:masterClrMapping/>
   </p:clrMapOvr>
+  <p:timing>
+    <p:tnLst>
+      <p:par>
+        <p:cTn id="1" dur="indefinite" restart="never" nodeType="tmRoot"/>
+      </p:par>
+    </p:tnLst>
+  </p:timing>
 </p:sld>
 </file>
 
